--- a/static/images/VIDEO1.pptx
+++ b/static/images/VIDEO1.pptx
@@ -6,15 +6,11 @@
   </p:sldMasterIdLst>
   <p:sldIdLst>
     <p:sldId id="265" r:id="rId2"/>
-    <p:sldId id="280" r:id="rId3"/>
-    <p:sldId id="266" r:id="rId4"/>
-    <p:sldId id="282" r:id="rId5"/>
-    <p:sldId id="264" r:id="rId6"/>
-    <p:sldId id="281" r:id="rId7"/>
-    <p:sldId id="275" r:id="rId8"/>
-    <p:sldId id="278" r:id="rId9"/>
-    <p:sldId id="273" r:id="rId10"/>
-    <p:sldId id="274" r:id="rId11"/>
+    <p:sldId id="266" r:id="rId3"/>
+    <p:sldId id="267" r:id="rId4"/>
+    <p:sldId id="268" r:id="rId5"/>
+    <p:sldId id="269" r:id="rId6"/>
+    <p:sldId id="270" r:id="rId7"/>
   </p:sldIdLst>
   <p:sldSz cx="10799763" cy="10799763"/>
   <p:notesSz cx="6858000" cy="9144000"/>
@@ -252,7 +248,7 @@
           <a:p>
             <a:fld id="{FBCECFDC-13CC-40E1-BF96-C8D96C37B5D3}" type="datetimeFigureOut">
               <a:rPr lang="en-GB" smtClean="0"/>
-              <a:t>11/11/2019</a:t>
+              <a:t>19/11/2019</a:t>
             </a:fld>
             <a:endParaRPr lang="en-GB"/>
           </a:p>
@@ -422,7 +418,7 @@
           <a:p>
             <a:fld id="{FBCECFDC-13CC-40E1-BF96-C8D96C37B5D3}" type="datetimeFigureOut">
               <a:rPr lang="en-GB" smtClean="0"/>
-              <a:t>11/11/2019</a:t>
+              <a:t>19/11/2019</a:t>
             </a:fld>
             <a:endParaRPr lang="en-GB"/>
           </a:p>
@@ -602,7 +598,7 @@
           <a:p>
             <a:fld id="{FBCECFDC-13CC-40E1-BF96-C8D96C37B5D3}" type="datetimeFigureOut">
               <a:rPr lang="en-GB" smtClean="0"/>
-              <a:t>11/11/2019</a:t>
+              <a:t>19/11/2019</a:t>
             </a:fld>
             <a:endParaRPr lang="en-GB"/>
           </a:p>
@@ -680,46 +676,6 @@
           <a:chExt cx="0" cy="0"/>
         </a:xfrm>
       </p:grpSpPr>
-      <p:sp>
-        <p:nvSpPr>
-          <p:cNvPr id="7" name="TextBox 6">
-            <a:extLst>
-              <a:ext uri="{FF2B5EF4-FFF2-40B4-BE49-F238E27FC236}">
-                <a16:creationId xmlns:a16="http://schemas.microsoft.com/office/drawing/2014/main" id="{D0A22AE5-6509-4689-B6F5-084540170E5A}"/>
-              </a:ext>
-            </a:extLst>
-          </p:cNvPr>
-          <p:cNvSpPr txBox="1"/>
-          <p:nvPr userDrawn="1"/>
-        </p:nvSpPr>
-        <p:spPr>
-          <a:xfrm>
-            <a:off x="3522663" y="10430431"/>
-            <a:ext cx="7277100" cy="369332"/>
-          </a:xfrm>
-          <a:prstGeom prst="rect">
-            <a:avLst/>
-          </a:prstGeom>
-          <a:noFill/>
-        </p:spPr>
-        <p:txBody>
-          <a:bodyPr wrap="square" rtlCol="0">
-            <a:spAutoFit/>
-          </a:bodyPr>
-          <a:lstStyle/>
-          <a:p>
-            <a:pPr algn="r"/>
-            <a:r>
-              <a:rPr lang="en-GB" dirty="0">
-                <a:solidFill>
-                  <a:schemeClr val="accent1"/>
-                </a:solidFill>
-              </a:rPr>
-              <a:t>SKIP BY DRAWING ON CANVAS OR CLICKING ON STEP BUTTONS</a:t>
-            </a:r>
-          </a:p>
-        </p:txBody>
-      </p:sp>
     </p:spTree>
     <p:extLst>
       <p:ext uri="{BB962C8B-B14F-4D97-AF65-F5344CB8AC3E}">
@@ -916,7 +872,7 @@
           <a:p>
             <a:fld id="{FBCECFDC-13CC-40E1-BF96-C8D96C37B5D3}" type="datetimeFigureOut">
               <a:rPr lang="en-GB" smtClean="0"/>
-              <a:t>11/11/2019</a:t>
+              <a:t>19/11/2019</a:t>
             </a:fld>
             <a:endParaRPr lang="en-GB"/>
           </a:p>
@@ -1148,7 +1104,7 @@
           <a:p>
             <a:fld id="{FBCECFDC-13CC-40E1-BF96-C8D96C37B5D3}" type="datetimeFigureOut">
               <a:rPr lang="en-GB" smtClean="0"/>
-              <a:t>11/11/2019</a:t>
+              <a:t>19/11/2019</a:t>
             </a:fld>
             <a:endParaRPr lang="en-GB"/>
           </a:p>
@@ -1515,7 +1471,7 @@
           <a:p>
             <a:fld id="{FBCECFDC-13CC-40E1-BF96-C8D96C37B5D3}" type="datetimeFigureOut">
               <a:rPr lang="en-GB" smtClean="0"/>
-              <a:t>11/11/2019</a:t>
+              <a:t>19/11/2019</a:t>
             </a:fld>
             <a:endParaRPr lang="en-GB"/>
           </a:p>
@@ -1633,7 +1589,7 @@
           <a:p>
             <a:fld id="{FBCECFDC-13CC-40E1-BF96-C8D96C37B5D3}" type="datetimeFigureOut">
               <a:rPr lang="en-GB" smtClean="0"/>
-              <a:t>11/11/2019</a:t>
+              <a:t>19/11/2019</a:t>
             </a:fld>
             <a:endParaRPr lang="en-GB"/>
           </a:p>
@@ -1728,7 +1684,7 @@
           <a:p>
             <a:fld id="{FBCECFDC-13CC-40E1-BF96-C8D96C37B5D3}" type="datetimeFigureOut">
               <a:rPr lang="en-GB" smtClean="0"/>
-              <a:t>11/11/2019</a:t>
+              <a:t>19/11/2019</a:t>
             </a:fld>
             <a:endParaRPr lang="en-GB"/>
           </a:p>
@@ -2005,7 +1961,7 @@
           <a:p>
             <a:fld id="{FBCECFDC-13CC-40E1-BF96-C8D96C37B5D3}" type="datetimeFigureOut">
               <a:rPr lang="en-GB" smtClean="0"/>
-              <a:t>11/11/2019</a:t>
+              <a:t>19/11/2019</a:t>
             </a:fld>
             <a:endParaRPr lang="en-GB"/>
           </a:p>
@@ -2262,7 +2218,7 @@
           <a:p>
             <a:fld id="{FBCECFDC-13CC-40E1-BF96-C8D96C37B5D3}" type="datetimeFigureOut">
               <a:rPr lang="en-GB" smtClean="0"/>
-              <a:t>11/11/2019</a:t>
+              <a:t>19/11/2019</a:t>
             </a:fld>
             <a:endParaRPr lang="en-GB"/>
           </a:p>
@@ -2475,7 +2431,7 @@
           <a:p>
             <a:fld id="{FBCECFDC-13CC-40E1-BF96-C8D96C37B5D3}" type="datetimeFigureOut">
               <a:rPr lang="en-GB" smtClean="0"/>
-              <a:t>11/11/2019</a:t>
+              <a:t>19/11/2019</a:t>
             </a:fld>
             <a:endParaRPr lang="en-GB"/>
           </a:p>
@@ -2880,12 +2836,55 @@
           <a:chExt cx="0" cy="0"/>
         </a:xfrm>
       </p:grpSpPr>
-      <p:sp>
-        <p:nvSpPr>
-          <p:cNvPr id="2" name="TextBox 1">
+      <p:pic>
+        <p:nvPicPr>
+          <p:cNvPr id="4" name="Picture 3">
             <a:extLst>
               <a:ext uri="{FF2B5EF4-FFF2-40B4-BE49-F238E27FC236}">
-                <a16:creationId xmlns:a16="http://schemas.microsoft.com/office/drawing/2014/main" id="{DB4FBB8F-50CF-4CD6-A50B-4489534E7C4B}"/>
+                <a16:creationId xmlns:a16="http://schemas.microsoft.com/office/drawing/2014/main" id="{D7FDE75B-24AE-49B6-BE1D-13F478A99310}"/>
+              </a:ext>
+            </a:extLst>
+          </p:cNvPr>
+          <p:cNvPicPr>
+            <a:picLocks noChangeAspect="1"/>
+          </p:cNvPicPr>
+          <p:nvPr/>
+        </p:nvPicPr>
+        <p:blipFill>
+          <a:blip r:embed="rId2">
+            <a:duotone>
+              <a:schemeClr val="accent1">
+                <a:shade val="45000"/>
+                <a:satMod val="135000"/>
+              </a:schemeClr>
+              <a:prstClr val="white"/>
+            </a:duotone>
+            <a:extLst>
+              <a:ext uri="{28A0092B-C50C-407E-A947-70E740481C1C}">
+                <a14:useLocalDpi xmlns:a14="http://schemas.microsoft.com/office/drawing/2010/main" val="0"/>
+              </a:ext>
+            </a:extLst>
+          </a:blip>
+          <a:stretch>
+            <a:fillRect/>
+          </a:stretch>
+        </p:blipFill>
+        <p:spPr>
+          <a:xfrm>
+            <a:off x="-1" y="-1"/>
+            <a:ext cx="10799763" cy="10799763"/>
+          </a:xfrm>
+          <a:prstGeom prst="rect">
+            <a:avLst/>
+          </a:prstGeom>
+        </p:spPr>
+      </p:pic>
+      <p:sp>
+        <p:nvSpPr>
+          <p:cNvPr id="5" name="TextBox 4">
+            <a:extLst>
+              <a:ext uri="{FF2B5EF4-FFF2-40B4-BE49-F238E27FC236}">
+                <a16:creationId xmlns:a16="http://schemas.microsoft.com/office/drawing/2014/main" id="{DFF72ADD-FB47-4D49-B335-D40618F09D44}"/>
               </a:ext>
             </a:extLst>
           </p:cNvPr>
@@ -2894,13 +2893,15 @@
         </p:nvSpPr>
         <p:spPr>
           <a:xfrm>
-            <a:off x="1536700" y="4615051"/>
-            <a:ext cx="7726362" cy="1200329"/>
+            <a:off x="0" y="9184341"/>
+            <a:ext cx="4305300" cy="1200329"/>
           </a:xfrm>
           <a:prstGeom prst="rect">
             <a:avLst/>
           </a:prstGeom>
-          <a:noFill/>
+          <a:solidFill>
+            <a:srgbClr val="1D2952"/>
+          </a:solidFill>
         </p:spPr>
         <p:txBody>
           <a:bodyPr wrap="square" rtlCol="0">
@@ -2910,14 +2911,13 @@
           <a:p>
             <a:pPr algn="ctr"/>
             <a:r>
-              <a:rPr lang="en-GB" sz="3600" b="1" dirty="0"/>
-              <a:t>LET US MAKE SURE YOU ARE SEEING THE RIGHT SCREEN</a:t>
-            </a:r>
-            <a:endParaRPr lang="en-GB" sz="3600" b="1" dirty="0">
-              <a:solidFill>
-                <a:srgbClr val="FF0000"/>
-              </a:solidFill>
-            </a:endParaRPr>
+              <a:rPr lang="en-GB" sz="2400" dirty="0">
+                <a:solidFill>
+                  <a:schemeClr val="bg1"/>
+                </a:solidFill>
+              </a:rPr>
+              <a:t>We will ask you to draw pedestrian movement lines on this side of the screen (canvas)</a:t>
+            </a:r>
           </a:p>
         </p:txBody>
       </p:sp>
@@ -2946,7 +2946,7 @@
 </p:sld>
 </file>
 
-<file path=ppt/slides/slide10.xml><?xml version="1.0" encoding="utf-8"?>
+<file path=ppt/slides/slide2.xml><?xml version="1.0" encoding="utf-8"?>
 <p:sld xmlns:a="http://schemas.openxmlformats.org/drawingml/2006/main" xmlns:r="http://schemas.openxmlformats.org/officeDocument/2006/relationships" xmlns:p="http://schemas.openxmlformats.org/presentationml/2006/main">
   <p:cSld>
     <p:spTree>
@@ -2965,10 +2965,10 @@
       </p:grpSpPr>
       <p:pic>
         <p:nvPicPr>
-          <p:cNvPr id="8" name="Picture 7">
+          <p:cNvPr id="3" name="Picture 2">
             <a:extLst>
               <a:ext uri="{FF2B5EF4-FFF2-40B4-BE49-F238E27FC236}">
-                <a16:creationId xmlns:a16="http://schemas.microsoft.com/office/drawing/2014/main" id="{16882209-D4AF-4D3C-8C34-179B20DE7B91}"/>
+                <a16:creationId xmlns:a16="http://schemas.microsoft.com/office/drawing/2014/main" id="{26D84ED1-D14D-445B-AD9A-60C2E36D31CB}"/>
               </a:ext>
             </a:extLst>
           </p:cNvPr>
@@ -2977,15 +2977,29 @@
           </p:cNvPicPr>
           <p:nvPr/>
         </p:nvPicPr>
-        <p:blipFill rotWithShape="1">
-          <a:blip r:embed="rId2"/>
-          <a:srcRect l="56532" t="11698" r="8004" b="20517"/>
-          <a:stretch/>
+        <p:blipFill>
+          <a:blip r:embed="rId2">
+            <a:duotone>
+              <a:schemeClr val="accent1">
+                <a:shade val="45000"/>
+                <a:satMod val="135000"/>
+              </a:schemeClr>
+              <a:prstClr val="white"/>
+            </a:duotone>
+            <a:extLst>
+              <a:ext uri="{28A0092B-C50C-407E-A947-70E740481C1C}">
+                <a14:useLocalDpi xmlns:a14="http://schemas.microsoft.com/office/drawing/2010/main" val="0"/>
+              </a:ext>
+            </a:extLst>
+          </a:blip>
+          <a:stretch>
+            <a:fillRect/>
+          </a:stretch>
         </p:blipFill>
         <p:spPr>
           <a:xfrm>
-            <a:off x="2012950" y="2189351"/>
-            <a:ext cx="6773862" cy="4152900"/>
+            <a:off x="-1" y="-1"/>
+            <a:ext cx="10799763" cy="10799763"/>
           </a:xfrm>
           <a:prstGeom prst="rect">
             <a:avLst/>
@@ -2994,10 +3008,10 @@
       </p:pic>
       <p:sp>
         <p:nvSpPr>
-          <p:cNvPr id="2" name="TextBox 1">
+          <p:cNvPr id="6" name="TextBox 5">
             <a:extLst>
               <a:ext uri="{FF2B5EF4-FFF2-40B4-BE49-F238E27FC236}">
-                <a16:creationId xmlns:a16="http://schemas.microsoft.com/office/drawing/2014/main" id="{9A2398D8-8FD5-4202-ABF5-59234FFBFB82}"/>
+                <a16:creationId xmlns:a16="http://schemas.microsoft.com/office/drawing/2014/main" id="{0E9CD76E-68FA-4B67-B471-4827234564C6}"/>
               </a:ext>
             </a:extLst>
           </p:cNvPr>
@@ -3006,13 +3020,15 @@
         </p:nvSpPr>
         <p:spPr>
           <a:xfrm>
-            <a:off x="2354262" y="7205851"/>
-            <a:ext cx="6091238" cy="1200329"/>
+            <a:off x="0" y="9184341"/>
+            <a:ext cx="4305300" cy="1200329"/>
           </a:xfrm>
           <a:prstGeom prst="rect">
             <a:avLst/>
           </a:prstGeom>
-          <a:noFill/>
+          <a:solidFill>
+            <a:srgbClr val="1D2952"/>
+          </a:solidFill>
         </p:spPr>
         <p:txBody>
           <a:bodyPr wrap="square" rtlCol="0">
@@ -3022,8 +3038,12 @@
           <a:p>
             <a:pPr algn="ctr"/>
             <a:r>
-              <a:rPr lang="en-GB" sz="3600" b="1" dirty="0"/>
-              <a:t>… UNTIL THE SCREEN BECOMES LIKE THIS</a:t>
+              <a:rPr lang="en-GB" sz="2400" dirty="0">
+                <a:solidFill>
+                  <a:schemeClr val="bg1"/>
+                </a:solidFill>
+              </a:rPr>
+              <a:t>We will ask you to draw pedestrian movement lines on this side of the screen (canvas)</a:t>
             </a:r>
           </a:p>
         </p:txBody>
@@ -3031,108 +3051,13 @@
     </p:spTree>
     <p:extLst>
       <p:ext uri="{BB962C8B-B14F-4D97-AF65-F5344CB8AC3E}">
-        <p14:creationId xmlns:p14="http://schemas.microsoft.com/office/powerpoint/2010/main" val="1619010128"/>
+        <p14:creationId xmlns:p14="http://schemas.microsoft.com/office/powerpoint/2010/main" val="1570333734"/>
       </p:ext>
     </p:extLst>
   </p:cSld>
   <p:clrMapOvr>
     <a:masterClrMapping/>
   </p:clrMapOvr>
-  <mc:AlternateContent xmlns:mc="http://schemas.openxmlformats.org/markup-compatibility/2006" xmlns:p159="http://schemas.microsoft.com/office/powerpoint/2015/09/main">
-    <mc:Choice Requires="p159">
-      <p:transition xmlns:p14="http://schemas.microsoft.com/office/powerpoint/2010/main" spd="slow" p14:dur="2000" advTm="1000">
-        <p159:morph option="byObject"/>
-      </p:transition>
-    </mc:Choice>
-    <mc:Fallback xmlns="">
-      <p:transition spd="slow" advTm="1000">
-        <p:fade/>
-      </p:transition>
-    </mc:Fallback>
-  </mc:AlternateContent>
-</p:sld>
-</file>
-
-<file path=ppt/slides/slide2.xml><?xml version="1.0" encoding="utf-8"?>
-<p:sld xmlns:a="http://schemas.openxmlformats.org/drawingml/2006/main" xmlns:r="http://schemas.openxmlformats.org/officeDocument/2006/relationships" xmlns:p="http://schemas.openxmlformats.org/presentationml/2006/main">
-  <p:cSld>
-    <p:spTree>
-      <p:nvGrpSpPr>
-        <p:cNvPr id="1" name=""/>
-        <p:cNvGrpSpPr/>
-        <p:nvPr/>
-      </p:nvGrpSpPr>
-      <p:grpSpPr>
-        <a:xfrm>
-          <a:off x="0" y="0"/>
-          <a:ext cx="0" cy="0"/>
-          <a:chOff x="0" y="0"/>
-          <a:chExt cx="0" cy="0"/>
-        </a:xfrm>
-      </p:grpSpPr>
-      <p:sp>
-        <p:nvSpPr>
-          <p:cNvPr id="2" name="TextBox 1">
-            <a:extLst>
-              <a:ext uri="{FF2B5EF4-FFF2-40B4-BE49-F238E27FC236}">
-                <a16:creationId xmlns:a16="http://schemas.microsoft.com/office/drawing/2014/main" id="{DB4FBB8F-50CF-4CD6-A50B-4489534E7C4B}"/>
-              </a:ext>
-            </a:extLst>
-          </p:cNvPr>
-          <p:cNvSpPr txBox="1"/>
-          <p:nvPr/>
-        </p:nvSpPr>
-        <p:spPr>
-          <a:xfrm>
-            <a:off x="1536700" y="4615051"/>
-            <a:ext cx="7726362" cy="1200329"/>
-          </a:xfrm>
-          <a:prstGeom prst="rect">
-            <a:avLst/>
-          </a:prstGeom>
-          <a:noFill/>
-        </p:spPr>
-        <p:txBody>
-          <a:bodyPr wrap="square" rtlCol="0">
-            <a:spAutoFit/>
-          </a:bodyPr>
-          <a:lstStyle/>
-          <a:p>
-            <a:pPr algn="ctr"/>
-            <a:r>
-              <a:rPr lang="en-GB" sz="3600" b="1" dirty="0"/>
-              <a:t>LET US MAKE SURE YOU ARE SEEING THE RIGHT SCREEN</a:t>
-            </a:r>
-            <a:endParaRPr lang="en-GB" sz="3600" b="1" dirty="0">
-              <a:solidFill>
-                <a:srgbClr val="FF0000"/>
-              </a:solidFill>
-            </a:endParaRPr>
-          </a:p>
-        </p:txBody>
-      </p:sp>
-    </p:spTree>
-    <p:extLst>
-      <p:ext uri="{BB962C8B-B14F-4D97-AF65-F5344CB8AC3E}">
-        <p14:creationId xmlns:p14="http://schemas.microsoft.com/office/powerpoint/2010/main" val="448950245"/>
-      </p:ext>
-    </p:extLst>
-  </p:cSld>
-  <p:clrMapOvr>
-    <a:masterClrMapping/>
-  </p:clrMapOvr>
-  <mc:AlternateContent xmlns:mc="http://schemas.openxmlformats.org/markup-compatibility/2006" xmlns:p14="http://schemas.microsoft.com/office/powerpoint/2010/main">
-    <mc:Choice Requires="p14">
-      <p:transition spd="med" p14:dur="700" advTm="2000">
-        <p:fade/>
-      </p:transition>
-    </mc:Choice>
-    <mc:Fallback xmlns="">
-      <p:transition spd="med" advTm="2000">
-        <p:fade/>
-      </p:transition>
-    </mc:Fallback>
-  </mc:AlternateContent>
 </p:sld>
 </file>
 
@@ -3153,53 +3078,12 @@
           <a:chExt cx="0" cy="0"/>
         </a:xfrm>
       </p:grpSpPr>
-      <p:sp>
-        <p:nvSpPr>
-          <p:cNvPr id="2" name="TextBox 1">
+      <p:pic>
+        <p:nvPicPr>
+          <p:cNvPr id="3" name="Picture 2">
             <a:extLst>
               <a:ext uri="{FF2B5EF4-FFF2-40B4-BE49-F238E27FC236}">
-                <a16:creationId xmlns:a16="http://schemas.microsoft.com/office/drawing/2014/main" id="{DB4FBB8F-50CF-4CD6-A50B-4489534E7C4B}"/>
-              </a:ext>
-            </a:extLst>
-          </p:cNvPr>
-          <p:cNvSpPr txBox="1"/>
-          <p:nvPr/>
-        </p:nvSpPr>
-        <p:spPr>
-          <a:xfrm>
-            <a:off x="2159000" y="6608951"/>
-            <a:ext cx="6481762" cy="1200329"/>
-          </a:xfrm>
-          <a:prstGeom prst="rect">
-            <a:avLst/>
-          </a:prstGeom>
-          <a:noFill/>
-        </p:spPr>
-        <p:txBody>
-          <a:bodyPr wrap="square" rtlCol="0">
-            <a:spAutoFit/>
-          </a:bodyPr>
-          <a:lstStyle/>
-          <a:p>
-            <a:pPr algn="ctr"/>
-            <a:r>
-              <a:rPr lang="en-GB" sz="3600" b="1" dirty="0"/>
-              <a:t>YOU SHOULD SEE TWO SCREENS SIDE BY SIDE…</a:t>
-            </a:r>
-            <a:endParaRPr lang="en-GB" sz="3600" b="1" dirty="0">
-              <a:solidFill>
-                <a:srgbClr val="FF0000"/>
-              </a:solidFill>
-            </a:endParaRPr>
-          </a:p>
-        </p:txBody>
-      </p:sp>
-      <p:pic>
-        <p:nvPicPr>
-          <p:cNvPr id="4" name="Picture 3">
-            <a:extLst>
-              <a:ext uri="{FF2B5EF4-FFF2-40B4-BE49-F238E27FC236}">
-                <a16:creationId xmlns:a16="http://schemas.microsoft.com/office/drawing/2014/main" id="{67613E10-91C0-4426-AAA9-420AAFD7DC78}"/>
+                <a16:creationId xmlns:a16="http://schemas.microsoft.com/office/drawing/2014/main" id="{0DCA9850-2ECE-456C-A2C3-CD8D5F645A00}"/>
               </a:ext>
             </a:extLst>
           </p:cNvPr>
@@ -3208,43 +3092,87 @@
           </p:cNvPicPr>
           <p:nvPr/>
         </p:nvPicPr>
-        <p:blipFill rotWithShape="1">
-          <a:blip r:embed="rId2"/>
-          <a:srcRect l="56532" t="11698" r="8004" b="20517"/>
-          <a:stretch/>
+        <p:blipFill>
+          <a:blip r:embed="rId2">
+            <a:duotone>
+              <a:schemeClr val="accent1">
+                <a:shade val="45000"/>
+                <a:satMod val="135000"/>
+              </a:schemeClr>
+              <a:prstClr val="white"/>
+            </a:duotone>
+            <a:extLst>
+              <a:ext uri="{28A0092B-C50C-407E-A947-70E740481C1C}">
+                <a14:useLocalDpi xmlns:a14="http://schemas.microsoft.com/office/drawing/2010/main" val="0"/>
+              </a:ext>
+            </a:extLst>
+          </a:blip>
+          <a:stretch>
+            <a:fillRect/>
+          </a:stretch>
         </p:blipFill>
         <p:spPr>
           <a:xfrm>
-            <a:off x="2012950" y="2189351"/>
-            <a:ext cx="6773862" cy="4152900"/>
+            <a:off x="-1" y="-1"/>
+            <a:ext cx="10799763" cy="10799763"/>
           </a:xfrm>
           <a:prstGeom prst="rect">
             <a:avLst/>
           </a:prstGeom>
         </p:spPr>
       </p:pic>
+      <p:sp>
+        <p:nvSpPr>
+          <p:cNvPr id="6" name="TextBox 5">
+            <a:extLst>
+              <a:ext uri="{FF2B5EF4-FFF2-40B4-BE49-F238E27FC236}">
+                <a16:creationId xmlns:a16="http://schemas.microsoft.com/office/drawing/2014/main" id="{C19C88D0-C7DB-492B-822A-9B73CB103173}"/>
+              </a:ext>
+            </a:extLst>
+          </p:cNvPr>
+          <p:cNvSpPr txBox="1"/>
+          <p:nvPr/>
+        </p:nvSpPr>
+        <p:spPr>
+          <a:xfrm>
+            <a:off x="0" y="9184341"/>
+            <a:ext cx="4305300" cy="1200329"/>
+          </a:xfrm>
+          <a:prstGeom prst="rect">
+            <a:avLst/>
+          </a:prstGeom>
+          <a:solidFill>
+            <a:srgbClr val="1D2952"/>
+          </a:solidFill>
+        </p:spPr>
+        <p:txBody>
+          <a:bodyPr wrap="square" rtlCol="0">
+            <a:spAutoFit/>
+          </a:bodyPr>
+          <a:lstStyle/>
+          <a:p>
+            <a:pPr algn="ctr"/>
+            <a:r>
+              <a:rPr lang="en-GB" sz="2400" dirty="0">
+                <a:solidFill>
+                  <a:schemeClr val="bg1"/>
+                </a:solidFill>
+              </a:rPr>
+              <a:t>We will ask you to draw pedestrian movement lines on this side of the screen (canvas)</a:t>
+            </a:r>
+          </a:p>
+        </p:txBody>
+      </p:sp>
     </p:spTree>
     <p:extLst>
       <p:ext uri="{BB962C8B-B14F-4D97-AF65-F5344CB8AC3E}">
-        <p14:creationId xmlns:p14="http://schemas.microsoft.com/office/powerpoint/2010/main" val="899134452"/>
+        <p14:creationId xmlns:p14="http://schemas.microsoft.com/office/powerpoint/2010/main" val="1713466366"/>
       </p:ext>
     </p:extLst>
   </p:cSld>
   <p:clrMapOvr>
     <a:masterClrMapping/>
   </p:clrMapOvr>
-  <mc:AlternateContent xmlns:mc="http://schemas.openxmlformats.org/markup-compatibility/2006" xmlns:p159="http://schemas.microsoft.com/office/powerpoint/2015/09/main">
-    <mc:Choice Requires="p159">
-      <p:transition xmlns:p14="http://schemas.microsoft.com/office/powerpoint/2010/main" spd="slow" p14:dur="2000" advTm="1500">
-        <p159:morph option="byObject"/>
-      </p:transition>
-    </mc:Choice>
-    <mc:Fallback xmlns="">
-      <p:transition spd="slow" advTm="1500">
-        <p:fade/>
-      </p:transition>
-    </mc:Fallback>
-  </mc:AlternateContent>
 </p:sld>
 </file>
 
@@ -3265,53 +3193,12 @@
           <a:chExt cx="0" cy="0"/>
         </a:xfrm>
       </p:grpSpPr>
-      <p:sp>
-        <p:nvSpPr>
-          <p:cNvPr id="2" name="TextBox 1">
+      <p:pic>
+        <p:nvPicPr>
+          <p:cNvPr id="3" name="Picture 2">
             <a:extLst>
               <a:ext uri="{FF2B5EF4-FFF2-40B4-BE49-F238E27FC236}">
-                <a16:creationId xmlns:a16="http://schemas.microsoft.com/office/drawing/2014/main" id="{DB4FBB8F-50CF-4CD6-A50B-4489534E7C4B}"/>
-              </a:ext>
-            </a:extLst>
-          </p:cNvPr>
-          <p:cNvSpPr txBox="1"/>
-          <p:nvPr/>
-        </p:nvSpPr>
-        <p:spPr>
-          <a:xfrm>
-            <a:off x="2159000" y="6608951"/>
-            <a:ext cx="6481762" cy="1200329"/>
-          </a:xfrm>
-          <a:prstGeom prst="rect">
-            <a:avLst/>
-          </a:prstGeom>
-          <a:noFill/>
-        </p:spPr>
-        <p:txBody>
-          <a:bodyPr wrap="square" rtlCol="0">
-            <a:spAutoFit/>
-          </a:bodyPr>
-          <a:lstStyle/>
-          <a:p>
-            <a:pPr algn="ctr"/>
-            <a:r>
-              <a:rPr lang="en-GB" sz="3600" b="1" dirty="0"/>
-              <a:t>YOU SHOULD SEE TWO SCREENS SIDE BY SIDE…</a:t>
-            </a:r>
-            <a:endParaRPr lang="en-GB" sz="3600" b="1" dirty="0">
-              <a:solidFill>
-                <a:srgbClr val="FF0000"/>
-              </a:solidFill>
-            </a:endParaRPr>
-          </a:p>
-        </p:txBody>
-      </p:sp>
-      <p:pic>
-        <p:nvPicPr>
-          <p:cNvPr id="4" name="Picture 3">
-            <a:extLst>
-              <a:ext uri="{FF2B5EF4-FFF2-40B4-BE49-F238E27FC236}">
-                <a16:creationId xmlns:a16="http://schemas.microsoft.com/office/drawing/2014/main" id="{67613E10-91C0-4426-AAA9-420AAFD7DC78}"/>
+                <a16:creationId xmlns:a16="http://schemas.microsoft.com/office/drawing/2014/main" id="{FF2A8B66-A8F0-49ED-9D7F-B98C05CB51AA}"/>
               </a:ext>
             </a:extLst>
           </p:cNvPr>
@@ -3320,43 +3207,87 @@
           </p:cNvPicPr>
           <p:nvPr/>
         </p:nvPicPr>
-        <p:blipFill rotWithShape="1">
-          <a:blip r:embed="rId2"/>
-          <a:srcRect l="56532" t="11698" r="8004" b="20517"/>
-          <a:stretch/>
+        <p:blipFill>
+          <a:blip r:embed="rId2">
+            <a:duotone>
+              <a:schemeClr val="accent1">
+                <a:shade val="45000"/>
+                <a:satMod val="135000"/>
+              </a:schemeClr>
+              <a:prstClr val="white"/>
+            </a:duotone>
+            <a:extLst>
+              <a:ext uri="{28A0092B-C50C-407E-A947-70E740481C1C}">
+                <a14:useLocalDpi xmlns:a14="http://schemas.microsoft.com/office/drawing/2010/main" val="0"/>
+              </a:ext>
+            </a:extLst>
+          </a:blip>
+          <a:stretch>
+            <a:fillRect/>
+          </a:stretch>
         </p:blipFill>
         <p:spPr>
           <a:xfrm>
-            <a:off x="2012950" y="2189351"/>
-            <a:ext cx="6773862" cy="4152900"/>
+            <a:off x="-1" y="-1"/>
+            <a:ext cx="10799763" cy="10799763"/>
           </a:xfrm>
           <a:prstGeom prst="rect">
             <a:avLst/>
           </a:prstGeom>
         </p:spPr>
       </p:pic>
+      <p:sp>
+        <p:nvSpPr>
+          <p:cNvPr id="6" name="TextBox 5">
+            <a:extLst>
+              <a:ext uri="{FF2B5EF4-FFF2-40B4-BE49-F238E27FC236}">
+                <a16:creationId xmlns:a16="http://schemas.microsoft.com/office/drawing/2014/main" id="{276631D5-F578-4698-A228-B120E858D198}"/>
+              </a:ext>
+            </a:extLst>
+          </p:cNvPr>
+          <p:cNvSpPr txBox="1"/>
+          <p:nvPr/>
+        </p:nvSpPr>
+        <p:spPr>
+          <a:xfrm>
+            <a:off x="0" y="9184341"/>
+            <a:ext cx="4305300" cy="1200329"/>
+          </a:xfrm>
+          <a:prstGeom prst="rect">
+            <a:avLst/>
+          </a:prstGeom>
+          <a:solidFill>
+            <a:srgbClr val="1D2952"/>
+          </a:solidFill>
+        </p:spPr>
+        <p:txBody>
+          <a:bodyPr wrap="square" rtlCol="0">
+            <a:spAutoFit/>
+          </a:bodyPr>
+          <a:lstStyle/>
+          <a:p>
+            <a:pPr algn="ctr"/>
+            <a:r>
+              <a:rPr lang="en-GB" sz="2400" dirty="0">
+                <a:solidFill>
+                  <a:schemeClr val="bg1"/>
+                </a:solidFill>
+              </a:rPr>
+              <a:t>We will ask you to draw pedestrian movement lines on this side of the screen (canvas)</a:t>
+            </a:r>
+          </a:p>
+        </p:txBody>
+      </p:sp>
     </p:spTree>
     <p:extLst>
       <p:ext uri="{BB962C8B-B14F-4D97-AF65-F5344CB8AC3E}">
-        <p14:creationId xmlns:p14="http://schemas.microsoft.com/office/powerpoint/2010/main" val="1598324227"/>
+        <p14:creationId xmlns:p14="http://schemas.microsoft.com/office/powerpoint/2010/main" val="542726101"/>
       </p:ext>
     </p:extLst>
   </p:cSld>
   <p:clrMapOvr>
     <a:masterClrMapping/>
   </p:clrMapOvr>
-  <mc:AlternateContent xmlns:mc="http://schemas.openxmlformats.org/markup-compatibility/2006" xmlns:p159="http://schemas.microsoft.com/office/powerpoint/2015/09/main">
-    <mc:Choice Requires="p159">
-      <p:transition xmlns:p14="http://schemas.microsoft.com/office/powerpoint/2010/main" spd="slow" p14:dur="2000" advTm="1500">
-        <p159:morph option="byObject"/>
-      </p:transition>
-    </mc:Choice>
-    <mc:Fallback xmlns="">
-      <p:transition spd="slow" advTm="1500">
-        <p:fade/>
-      </p:transition>
-    </mc:Fallback>
-  </mc:AlternateContent>
 </p:sld>
 </file>
 
@@ -3377,48 +3308,12 @@
           <a:chExt cx="0" cy="0"/>
         </a:xfrm>
       </p:grpSpPr>
-      <p:sp>
-        <p:nvSpPr>
-          <p:cNvPr id="2" name="TextBox 1">
+      <p:pic>
+        <p:nvPicPr>
+          <p:cNvPr id="3" name="Picture 2">
             <a:extLst>
               <a:ext uri="{FF2B5EF4-FFF2-40B4-BE49-F238E27FC236}">
-                <a16:creationId xmlns:a16="http://schemas.microsoft.com/office/drawing/2014/main" id="{9A2398D8-8FD5-4202-ABF5-59234FFBFB82}"/>
-              </a:ext>
-            </a:extLst>
-          </p:cNvPr>
-          <p:cNvSpPr txBox="1"/>
-          <p:nvPr/>
-        </p:nvSpPr>
-        <p:spPr>
-          <a:xfrm>
-            <a:off x="1536700" y="8196451"/>
-            <a:ext cx="7726362" cy="1200329"/>
-          </a:xfrm>
-          <a:prstGeom prst="rect">
-            <a:avLst/>
-          </a:prstGeom>
-          <a:noFill/>
-        </p:spPr>
-        <p:txBody>
-          <a:bodyPr wrap="square" rtlCol="0">
-            <a:spAutoFit/>
-          </a:bodyPr>
-          <a:lstStyle/>
-          <a:p>
-            <a:pPr algn="ctr"/>
-            <a:r>
-              <a:rPr lang="en-GB" sz="3600" b="1" dirty="0"/>
-              <a:t>YOU MAY BE SEEING BOTH SCREENS ON TOP OF EACH OTHER</a:t>
-            </a:r>
-          </a:p>
-        </p:txBody>
-      </p:sp>
-      <p:pic>
-        <p:nvPicPr>
-          <p:cNvPr id="5" name="Picture 4">
-            <a:extLst>
-              <a:ext uri="{FF2B5EF4-FFF2-40B4-BE49-F238E27FC236}">
-                <a16:creationId xmlns:a16="http://schemas.microsoft.com/office/drawing/2014/main" id="{0DB30206-3F60-4D46-A851-ADB704A1694B}"/>
+                <a16:creationId xmlns:a16="http://schemas.microsoft.com/office/drawing/2014/main" id="{1090087B-47CE-48AB-BC40-F79297CC8DB6}"/>
               </a:ext>
             </a:extLst>
           </p:cNvPr>
@@ -3427,101 +3322,87 @@
           </p:cNvPicPr>
           <p:nvPr/>
         </p:nvPicPr>
-        <p:blipFill rotWithShape="1">
-          <a:blip r:embed="rId2"/>
-          <a:srcRect l="57657" t="18840" r="25735" b="29330"/>
-          <a:stretch/>
+        <p:blipFill>
+          <a:blip r:embed="rId2">
+            <a:duotone>
+              <a:schemeClr val="accent1">
+                <a:shade val="45000"/>
+                <a:satMod val="135000"/>
+              </a:schemeClr>
+              <a:prstClr val="white"/>
+            </a:duotone>
+            <a:extLst>
+              <a:ext uri="{28A0092B-C50C-407E-A947-70E740481C1C}">
+                <a14:useLocalDpi xmlns:a14="http://schemas.microsoft.com/office/drawing/2010/main" val="0"/>
+              </a:ext>
+            </a:extLst>
+          </a:blip>
+          <a:stretch>
+            <a:fillRect/>
+          </a:stretch>
         </p:blipFill>
         <p:spPr>
           <a:xfrm>
-            <a:off x="3813846" y="1384094"/>
-            <a:ext cx="3172070" cy="3175462"/>
+            <a:off x="-1" y="-1"/>
+            <a:ext cx="10799763" cy="10799763"/>
           </a:xfrm>
           <a:prstGeom prst="rect">
             <a:avLst/>
           </a:prstGeom>
         </p:spPr>
       </p:pic>
-      <p:pic>
-        <p:nvPicPr>
-          <p:cNvPr id="6" name="Picture 5">
+      <p:sp>
+        <p:nvSpPr>
+          <p:cNvPr id="7" name="TextBox 6">
             <a:extLst>
               <a:ext uri="{FF2B5EF4-FFF2-40B4-BE49-F238E27FC236}">
-                <a16:creationId xmlns:a16="http://schemas.microsoft.com/office/drawing/2014/main" id="{2CDB53F7-FCDD-4FB3-B013-7894AC35BD71}"/>
+                <a16:creationId xmlns:a16="http://schemas.microsoft.com/office/drawing/2014/main" id="{AF2A0BBA-8770-4347-8E94-98B7D1B39EFE}"/>
               </a:ext>
             </a:extLst>
           </p:cNvPr>
-          <p:cNvPicPr>
-            <a:picLocks noChangeAspect="1"/>
-          </p:cNvPicPr>
+          <p:cNvSpPr txBox="1"/>
           <p:nvPr/>
-        </p:nvPicPr>
-        <p:blipFill rotWithShape="1">
-          <a:blip r:embed="rId2"/>
-          <a:srcRect l="74360" t="18840" r="9032" b="29330"/>
-          <a:stretch/>
-        </p:blipFill>
+        </p:nvSpPr>
         <p:spPr>
           <a:xfrm>
-            <a:off x="3813846" y="4713367"/>
-            <a:ext cx="3172070" cy="3175462"/>
+            <a:off x="0" y="9184341"/>
+            <a:ext cx="4305300" cy="1200329"/>
           </a:xfrm>
           <a:prstGeom prst="rect">
             <a:avLst/>
           </a:prstGeom>
+          <a:solidFill>
+            <a:srgbClr val="1D2952"/>
+          </a:solidFill>
         </p:spPr>
-      </p:pic>
-      <p:pic>
-        <p:nvPicPr>
-          <p:cNvPr id="7" name="Picture 6">
-            <a:extLst>
-              <a:ext uri="{FF2B5EF4-FFF2-40B4-BE49-F238E27FC236}">
-                <a16:creationId xmlns:a16="http://schemas.microsoft.com/office/drawing/2014/main" id="{D0DDA844-01AE-4666-B71C-98DE3B1D53D7}"/>
-              </a:ext>
-            </a:extLst>
-          </p:cNvPr>
-          <p:cNvPicPr>
-            <a:picLocks noChangeAspect="1"/>
-          </p:cNvPicPr>
-          <p:nvPr/>
-        </p:nvPicPr>
-        <p:blipFill rotWithShape="1">
-          <a:blip r:embed="rId2"/>
-          <a:srcRect l="57438" t="12191" r="9033" b="81025"/>
-          <a:stretch/>
-        </p:blipFill>
-        <p:spPr>
-          <a:xfrm>
-            <a:off x="2197868" y="814647"/>
-            <a:ext cx="6404025" cy="415636"/>
-          </a:xfrm>
-          <a:prstGeom prst="rect">
-            <a:avLst/>
-          </a:prstGeom>
-        </p:spPr>
-      </p:pic>
+        <p:txBody>
+          <a:bodyPr wrap="square" rtlCol="0">
+            <a:spAutoFit/>
+          </a:bodyPr>
+          <a:lstStyle/>
+          <a:p>
+            <a:pPr algn="ctr"/>
+            <a:r>
+              <a:rPr lang="en-GB" sz="2400" dirty="0">
+                <a:solidFill>
+                  <a:schemeClr val="bg1"/>
+                </a:solidFill>
+              </a:rPr>
+              <a:t>We will ask you to draw pedestrian movement lines on this side of the screen (canvas)</a:t>
+            </a:r>
+          </a:p>
+        </p:txBody>
+      </p:sp>
     </p:spTree>
     <p:extLst>
       <p:ext uri="{BB962C8B-B14F-4D97-AF65-F5344CB8AC3E}">
-        <p14:creationId xmlns:p14="http://schemas.microsoft.com/office/powerpoint/2010/main" val="1465055676"/>
+        <p14:creationId xmlns:p14="http://schemas.microsoft.com/office/powerpoint/2010/main" val="3466095356"/>
       </p:ext>
     </p:extLst>
   </p:cSld>
   <p:clrMapOvr>
     <a:masterClrMapping/>
   </p:clrMapOvr>
-  <mc:AlternateContent xmlns:mc="http://schemas.openxmlformats.org/markup-compatibility/2006" xmlns:p14="http://schemas.microsoft.com/office/powerpoint/2010/main">
-    <mc:Choice Requires="p14">
-      <p:transition spd="med" p14:dur="700" advTm="2500">
-        <p:fade/>
-      </p:transition>
-    </mc:Choice>
-    <mc:Fallback xmlns="">
-      <p:transition spd="med" advTm="2500">
-        <p:fade/>
-      </p:transition>
-    </mc:Fallback>
-  </mc:AlternateContent>
 </p:sld>
 </file>
 
@@ -3542,48 +3423,12 @@
           <a:chExt cx="0" cy="0"/>
         </a:xfrm>
       </p:grpSpPr>
-      <p:sp>
-        <p:nvSpPr>
-          <p:cNvPr id="2" name="TextBox 1">
+      <p:pic>
+        <p:nvPicPr>
+          <p:cNvPr id="3" name="Picture 2">
             <a:extLst>
               <a:ext uri="{FF2B5EF4-FFF2-40B4-BE49-F238E27FC236}">
-                <a16:creationId xmlns:a16="http://schemas.microsoft.com/office/drawing/2014/main" id="{9A2398D8-8FD5-4202-ABF5-59234FFBFB82}"/>
-              </a:ext>
-            </a:extLst>
-          </p:cNvPr>
-          <p:cNvSpPr txBox="1"/>
-          <p:nvPr/>
-        </p:nvSpPr>
-        <p:spPr>
-          <a:xfrm>
-            <a:off x="1536700" y="8196451"/>
-            <a:ext cx="7726362" cy="1200329"/>
-          </a:xfrm>
-          <a:prstGeom prst="rect">
-            <a:avLst/>
-          </a:prstGeom>
-          <a:noFill/>
-        </p:spPr>
-        <p:txBody>
-          <a:bodyPr wrap="square" rtlCol="0">
-            <a:spAutoFit/>
-          </a:bodyPr>
-          <a:lstStyle/>
-          <a:p>
-            <a:pPr algn="ctr"/>
-            <a:r>
-              <a:rPr lang="en-GB" sz="3600" b="1" dirty="0"/>
-              <a:t>YOU MAY BE SEEING BOTH SCREENS ON TOP OF EACH OTHER</a:t>
-            </a:r>
-          </a:p>
-        </p:txBody>
-      </p:sp>
-      <p:pic>
-        <p:nvPicPr>
-          <p:cNvPr id="5" name="Picture 4">
-            <a:extLst>
-              <a:ext uri="{FF2B5EF4-FFF2-40B4-BE49-F238E27FC236}">
-                <a16:creationId xmlns:a16="http://schemas.microsoft.com/office/drawing/2014/main" id="{0DB30206-3F60-4D46-A851-ADB704A1694B}"/>
+                <a16:creationId xmlns:a16="http://schemas.microsoft.com/office/drawing/2014/main" id="{7C3BC30C-AEB0-4996-B78F-52BE72C46287}"/>
               </a:ext>
             </a:extLst>
           </p:cNvPr>
@@ -3592,2412 +3437,87 @@
           </p:cNvPicPr>
           <p:nvPr/>
         </p:nvPicPr>
-        <p:blipFill rotWithShape="1">
-          <a:blip r:embed="rId2"/>
-          <a:srcRect l="57657" t="18840" r="25735" b="29330"/>
-          <a:stretch/>
+        <p:blipFill>
+          <a:blip r:embed="rId2">
+            <a:duotone>
+              <a:schemeClr val="accent1">
+                <a:shade val="45000"/>
+                <a:satMod val="135000"/>
+              </a:schemeClr>
+              <a:prstClr val="white"/>
+            </a:duotone>
+            <a:extLst>
+              <a:ext uri="{28A0092B-C50C-407E-A947-70E740481C1C}">
+                <a14:useLocalDpi xmlns:a14="http://schemas.microsoft.com/office/drawing/2010/main" val="0"/>
+              </a:ext>
+            </a:extLst>
+          </a:blip>
+          <a:stretch>
+            <a:fillRect/>
+          </a:stretch>
         </p:blipFill>
         <p:spPr>
           <a:xfrm>
-            <a:off x="3813846" y="1384094"/>
-            <a:ext cx="3172070" cy="3175462"/>
+            <a:off x="-1" y="-1"/>
+            <a:ext cx="10799763" cy="10799763"/>
           </a:xfrm>
           <a:prstGeom prst="rect">
             <a:avLst/>
           </a:prstGeom>
         </p:spPr>
       </p:pic>
-      <p:pic>
-        <p:nvPicPr>
-          <p:cNvPr id="6" name="Picture 5">
+      <p:sp>
+        <p:nvSpPr>
+          <p:cNvPr id="6" name="TextBox 5">
             <a:extLst>
               <a:ext uri="{FF2B5EF4-FFF2-40B4-BE49-F238E27FC236}">
-                <a16:creationId xmlns:a16="http://schemas.microsoft.com/office/drawing/2014/main" id="{2CDB53F7-FCDD-4FB3-B013-7894AC35BD71}"/>
+                <a16:creationId xmlns:a16="http://schemas.microsoft.com/office/drawing/2014/main" id="{082DEEA8-1E24-42B8-9153-FC4B1027659C}"/>
               </a:ext>
             </a:extLst>
           </p:cNvPr>
-          <p:cNvPicPr>
-            <a:picLocks noChangeAspect="1"/>
-          </p:cNvPicPr>
+          <p:cNvSpPr txBox="1"/>
           <p:nvPr/>
-        </p:nvPicPr>
-        <p:blipFill rotWithShape="1">
-          <a:blip r:embed="rId2"/>
-          <a:srcRect l="74360" t="18840" r="9032" b="29330"/>
-          <a:stretch/>
-        </p:blipFill>
+        </p:nvSpPr>
         <p:spPr>
           <a:xfrm>
-            <a:off x="3813846" y="4713367"/>
-            <a:ext cx="3172070" cy="3175462"/>
+            <a:off x="0" y="9184341"/>
+            <a:ext cx="4305300" cy="1200329"/>
           </a:xfrm>
           <a:prstGeom prst="rect">
             <a:avLst/>
           </a:prstGeom>
+          <a:solidFill>
+            <a:srgbClr val="1D2952"/>
+          </a:solidFill>
         </p:spPr>
-      </p:pic>
-      <p:pic>
-        <p:nvPicPr>
-          <p:cNvPr id="7" name="Picture 6">
-            <a:extLst>
-              <a:ext uri="{FF2B5EF4-FFF2-40B4-BE49-F238E27FC236}">
-                <a16:creationId xmlns:a16="http://schemas.microsoft.com/office/drawing/2014/main" id="{D0DDA844-01AE-4666-B71C-98DE3B1D53D7}"/>
-              </a:ext>
-            </a:extLst>
-          </p:cNvPr>
-          <p:cNvPicPr>
-            <a:picLocks noChangeAspect="1"/>
-          </p:cNvPicPr>
-          <p:nvPr/>
-        </p:nvPicPr>
-        <p:blipFill rotWithShape="1">
-          <a:blip r:embed="rId2"/>
-          <a:srcRect l="57438" t="12191" r="9033" b="81025"/>
-          <a:stretch/>
-        </p:blipFill>
-        <p:spPr>
-          <a:xfrm>
-            <a:off x="2197868" y="814647"/>
-            <a:ext cx="6404025" cy="415636"/>
-          </a:xfrm>
-          <a:prstGeom prst="rect">
-            <a:avLst/>
-          </a:prstGeom>
-        </p:spPr>
-      </p:pic>
+        <p:txBody>
+          <a:bodyPr wrap="square" rtlCol="0">
+            <a:spAutoFit/>
+          </a:bodyPr>
+          <a:lstStyle/>
+          <a:p>
+            <a:pPr algn="ctr"/>
+            <a:r>
+              <a:rPr lang="en-GB" sz="2400" dirty="0">
+                <a:solidFill>
+                  <a:schemeClr val="bg1"/>
+                </a:solidFill>
+              </a:rPr>
+              <a:t>We will ask you to draw pedestrian movement lines on this side of the screen (canvas)</a:t>
+            </a:r>
+          </a:p>
+        </p:txBody>
+      </p:sp>
     </p:spTree>
     <p:extLst>
       <p:ext uri="{BB962C8B-B14F-4D97-AF65-F5344CB8AC3E}">
-        <p14:creationId xmlns:p14="http://schemas.microsoft.com/office/powerpoint/2010/main" val="1666938373"/>
+        <p14:creationId xmlns:p14="http://schemas.microsoft.com/office/powerpoint/2010/main" val="56452685"/>
       </p:ext>
     </p:extLst>
   </p:cSld>
   <p:clrMapOvr>
     <a:masterClrMapping/>
   </p:clrMapOvr>
-  <mc:AlternateContent xmlns:mc="http://schemas.openxmlformats.org/markup-compatibility/2006" xmlns:p14="http://schemas.microsoft.com/office/powerpoint/2010/main">
-    <mc:Choice Requires="p14">
-      <p:transition spd="med" p14:dur="700" advTm="2500">
-        <p:fade/>
-      </p:transition>
-    </mc:Choice>
-    <mc:Fallback xmlns="">
-      <p:transition spd="med" advTm="2500">
-        <p:fade/>
-      </p:transition>
-    </mc:Fallback>
-  </mc:AlternateContent>
-</p:sld>
-</file>
-
-<file path=ppt/slides/slide7.xml><?xml version="1.0" encoding="utf-8"?>
-<p:sld xmlns:a="http://schemas.openxmlformats.org/drawingml/2006/main" xmlns:r="http://schemas.openxmlformats.org/officeDocument/2006/relationships" xmlns:p="http://schemas.openxmlformats.org/presentationml/2006/main">
-  <p:cSld>
-    <p:spTree>
-      <p:nvGrpSpPr>
-        <p:cNvPr id="1" name=""/>
-        <p:cNvGrpSpPr/>
-        <p:nvPr/>
-      </p:nvGrpSpPr>
-      <p:grpSpPr>
-        <a:xfrm>
-          <a:off x="0" y="0"/>
-          <a:ext cx="0" cy="0"/>
-          <a:chOff x="0" y="0"/>
-          <a:chExt cx="0" cy="0"/>
-        </a:xfrm>
-      </p:grpSpPr>
-      <p:sp>
-        <p:nvSpPr>
-          <p:cNvPr id="2" name="TextBox 1">
-            <a:extLst>
-              <a:ext uri="{FF2B5EF4-FFF2-40B4-BE49-F238E27FC236}">
-                <a16:creationId xmlns:a16="http://schemas.microsoft.com/office/drawing/2014/main" id="{9A2398D8-8FD5-4202-ABF5-59234FFBFB82}"/>
-              </a:ext>
-            </a:extLst>
-          </p:cNvPr>
-          <p:cNvSpPr txBox="1"/>
-          <p:nvPr/>
-        </p:nvSpPr>
-        <p:spPr>
-          <a:xfrm>
-            <a:off x="1536700" y="8196451"/>
-            <a:ext cx="7726362" cy="1754326"/>
-          </a:xfrm>
-          <a:prstGeom prst="rect">
-            <a:avLst/>
-          </a:prstGeom>
-          <a:noFill/>
-        </p:spPr>
-        <p:txBody>
-          <a:bodyPr wrap="square" rtlCol="0">
-            <a:spAutoFit/>
-          </a:bodyPr>
-          <a:lstStyle/>
-          <a:p>
-            <a:pPr algn="ctr"/>
-            <a:r>
-              <a:rPr lang="en-GB" sz="3600" b="1" dirty="0"/>
-              <a:t>TO CORRECT IT TOUCH OUTISDE THE CANVAS IN THE SCREEN TO ADJUST SCREEN SIZE</a:t>
-            </a:r>
-          </a:p>
-        </p:txBody>
-      </p:sp>
-      <p:pic>
-        <p:nvPicPr>
-          <p:cNvPr id="7" name="Picture 6">
-            <a:extLst>
-              <a:ext uri="{FF2B5EF4-FFF2-40B4-BE49-F238E27FC236}">
-                <a16:creationId xmlns:a16="http://schemas.microsoft.com/office/drawing/2014/main" id="{3F34391F-AC94-424B-A434-CED270D00698}"/>
-              </a:ext>
-            </a:extLst>
-          </p:cNvPr>
-          <p:cNvPicPr>
-            <a:picLocks noChangeAspect="1"/>
-          </p:cNvPicPr>
-          <p:nvPr/>
-        </p:nvPicPr>
-        <p:blipFill rotWithShape="1">
-          <a:blip r:embed="rId2"/>
-          <a:srcRect l="57657" t="18840" r="25735" b="29330"/>
-          <a:stretch/>
-        </p:blipFill>
-        <p:spPr>
-          <a:xfrm>
-            <a:off x="3813846" y="1384094"/>
-            <a:ext cx="3172070" cy="3175462"/>
-          </a:xfrm>
-          <a:prstGeom prst="rect">
-            <a:avLst/>
-          </a:prstGeom>
-        </p:spPr>
-      </p:pic>
-      <p:pic>
-        <p:nvPicPr>
-          <p:cNvPr id="8" name="Picture 7">
-            <a:extLst>
-              <a:ext uri="{FF2B5EF4-FFF2-40B4-BE49-F238E27FC236}">
-                <a16:creationId xmlns:a16="http://schemas.microsoft.com/office/drawing/2014/main" id="{7DBE056E-AF0B-4692-A074-06F2E0641FE3}"/>
-              </a:ext>
-            </a:extLst>
-          </p:cNvPr>
-          <p:cNvPicPr>
-            <a:picLocks noChangeAspect="1"/>
-          </p:cNvPicPr>
-          <p:nvPr/>
-        </p:nvPicPr>
-        <p:blipFill rotWithShape="1">
-          <a:blip r:embed="rId2"/>
-          <a:srcRect l="74360" t="18840" r="9032" b="29330"/>
-          <a:stretch/>
-        </p:blipFill>
-        <p:spPr>
-          <a:xfrm>
-            <a:off x="3813846" y="4713367"/>
-            <a:ext cx="3172070" cy="3175462"/>
-          </a:xfrm>
-          <a:prstGeom prst="rect">
-            <a:avLst/>
-          </a:prstGeom>
-        </p:spPr>
-      </p:pic>
-      <p:pic>
-        <p:nvPicPr>
-          <p:cNvPr id="9" name="Picture 8">
-            <a:extLst>
-              <a:ext uri="{FF2B5EF4-FFF2-40B4-BE49-F238E27FC236}">
-                <a16:creationId xmlns:a16="http://schemas.microsoft.com/office/drawing/2014/main" id="{651E7790-8122-4683-BCE4-1DF5A0D4857D}"/>
-              </a:ext>
-            </a:extLst>
-          </p:cNvPr>
-          <p:cNvPicPr>
-            <a:picLocks noChangeAspect="1"/>
-          </p:cNvPicPr>
-          <p:nvPr/>
-        </p:nvPicPr>
-        <p:blipFill rotWithShape="1">
-          <a:blip r:embed="rId2"/>
-          <a:srcRect l="57438" t="12191" r="9033" b="81025"/>
-          <a:stretch/>
-        </p:blipFill>
-        <p:spPr>
-          <a:xfrm>
-            <a:off x="2197868" y="814647"/>
-            <a:ext cx="6404025" cy="415636"/>
-          </a:xfrm>
-          <a:prstGeom prst="rect">
-            <a:avLst/>
-          </a:prstGeom>
-        </p:spPr>
-      </p:pic>
-      <p:grpSp>
-        <p:nvGrpSpPr>
-          <p:cNvPr id="11" name="Group 10">
-            <a:extLst>
-              <a:ext uri="{FF2B5EF4-FFF2-40B4-BE49-F238E27FC236}">
-                <a16:creationId xmlns:a16="http://schemas.microsoft.com/office/drawing/2014/main" id="{4C778F75-F58F-4326-B5BB-1699AF93D8D2}"/>
-              </a:ext>
-            </a:extLst>
-          </p:cNvPr>
-          <p:cNvGrpSpPr/>
-          <p:nvPr/>
-        </p:nvGrpSpPr>
-        <p:grpSpPr>
-          <a:xfrm>
-            <a:off x="7510425" y="4397066"/>
-            <a:ext cx="1952624" cy="2589194"/>
-            <a:chOff x="7082971" y="3933371"/>
-            <a:chExt cx="3962400" cy="5254172"/>
-          </a:xfrm>
-        </p:grpSpPr>
-        <p:pic>
-          <p:nvPicPr>
-            <p:cNvPr id="1028" name="Picture 4" descr="Image result for fingers tablet black and white">
-              <a:extLst>
-                <a:ext uri="{FF2B5EF4-FFF2-40B4-BE49-F238E27FC236}">
-                  <a16:creationId xmlns:a16="http://schemas.microsoft.com/office/drawing/2014/main" id="{CF44220B-A575-4ADF-9E2B-E7B66AC8AA33}"/>
-                </a:ext>
-              </a:extLst>
-            </p:cNvPr>
-            <p:cNvPicPr>
-              <a:picLocks noChangeAspect="1" noChangeArrowheads="1"/>
-            </p:cNvPicPr>
-            <p:nvPr/>
-          </p:nvPicPr>
-          <p:blipFill rotWithShape="1">
-            <a:blip r:embed="rId3">
-              <a:extLst>
-                <a:ext uri="{28A0092B-C50C-407E-A947-70E740481C1C}">
-                  <a14:useLocalDpi xmlns:a14="http://schemas.microsoft.com/office/drawing/2010/main" val="0"/>
-                </a:ext>
-              </a:extLst>
-            </a:blip>
-            <a:srcRect l="39088" t="32954" r="7607" b="2519"/>
-            <a:stretch/>
-          </p:blipFill>
-          <p:spPr bwMode="auto">
-            <a:xfrm>
-              <a:off x="7170056" y="4123015"/>
-              <a:ext cx="3860801" cy="4673600"/>
-            </a:xfrm>
-            <a:prstGeom prst="rect">
-              <a:avLst/>
-            </a:prstGeom>
-            <a:noFill/>
-            <a:extLst>
-              <a:ext uri="{909E8E84-426E-40DD-AFC4-6F175D3DCCD1}">
-                <a14:hiddenFill xmlns:a14="http://schemas.microsoft.com/office/drawing/2010/main">
-                  <a:solidFill>
-                    <a:srgbClr val="FFFFFF"/>
-                  </a:solidFill>
-                </a14:hiddenFill>
-              </a:ext>
-            </a:extLst>
-          </p:spPr>
-        </p:pic>
-        <p:sp>
-          <p:nvSpPr>
-            <p:cNvPr id="10" name="Freeform: Shape 9">
-              <a:extLst>
-                <a:ext uri="{FF2B5EF4-FFF2-40B4-BE49-F238E27FC236}">
-                  <a16:creationId xmlns:a16="http://schemas.microsoft.com/office/drawing/2014/main" id="{228273E8-9AC5-45A0-9252-1865FB8FFF3F}"/>
-                </a:ext>
-              </a:extLst>
-            </p:cNvPr>
-            <p:cNvSpPr/>
-            <p:nvPr/>
-          </p:nvSpPr>
-          <p:spPr>
-            <a:xfrm>
-              <a:off x="7082971" y="3933371"/>
-              <a:ext cx="3962400" cy="5254172"/>
-            </a:xfrm>
-            <a:custGeom>
-              <a:avLst/>
-              <a:gdLst>
-                <a:gd name="connsiteX0" fmla="*/ 711200 w 3962400"/>
-                <a:gd name="connsiteY0" fmla="*/ 2786743 h 5254172"/>
-                <a:gd name="connsiteX1" fmla="*/ 711200 w 3962400"/>
-                <a:gd name="connsiteY1" fmla="*/ 2786743 h 5254172"/>
-                <a:gd name="connsiteX2" fmla="*/ 812800 w 3962400"/>
-                <a:gd name="connsiteY2" fmla="*/ 2859315 h 5254172"/>
-                <a:gd name="connsiteX3" fmla="*/ 1436915 w 3962400"/>
-                <a:gd name="connsiteY3" fmla="*/ 3236686 h 5254172"/>
-                <a:gd name="connsiteX4" fmla="*/ 1451429 w 3962400"/>
-                <a:gd name="connsiteY4" fmla="*/ 3672115 h 5254172"/>
-                <a:gd name="connsiteX5" fmla="*/ 1959429 w 3962400"/>
-                <a:gd name="connsiteY5" fmla="*/ 3860800 h 5254172"/>
-                <a:gd name="connsiteX6" fmla="*/ 1944915 w 3962400"/>
-                <a:gd name="connsiteY6" fmla="*/ 4441372 h 5254172"/>
-                <a:gd name="connsiteX7" fmla="*/ 2293258 w 3962400"/>
-                <a:gd name="connsiteY7" fmla="*/ 5007429 h 5254172"/>
-                <a:gd name="connsiteX8" fmla="*/ 2873829 w 3962400"/>
-                <a:gd name="connsiteY8" fmla="*/ 5007429 h 5254172"/>
-                <a:gd name="connsiteX9" fmla="*/ 3831772 w 3962400"/>
-                <a:gd name="connsiteY9" fmla="*/ 4644572 h 5254172"/>
-                <a:gd name="connsiteX10" fmla="*/ 3831772 w 3962400"/>
-                <a:gd name="connsiteY10" fmla="*/ 4064000 h 5254172"/>
-                <a:gd name="connsiteX11" fmla="*/ 3338286 w 3962400"/>
-                <a:gd name="connsiteY11" fmla="*/ 3454400 h 5254172"/>
-                <a:gd name="connsiteX12" fmla="*/ 3338286 w 3962400"/>
-                <a:gd name="connsiteY12" fmla="*/ 3048000 h 5254172"/>
-                <a:gd name="connsiteX13" fmla="*/ 3556000 w 3962400"/>
-                <a:gd name="connsiteY13" fmla="*/ 1277258 h 5254172"/>
-                <a:gd name="connsiteX14" fmla="*/ 2801258 w 3962400"/>
-                <a:gd name="connsiteY14" fmla="*/ 1074058 h 5254172"/>
-                <a:gd name="connsiteX15" fmla="*/ 2656115 w 3962400"/>
-                <a:gd name="connsiteY15" fmla="*/ 1248229 h 5254172"/>
-                <a:gd name="connsiteX16" fmla="*/ 2656115 w 3962400"/>
-                <a:gd name="connsiteY16" fmla="*/ 1088572 h 5254172"/>
-                <a:gd name="connsiteX17" fmla="*/ 2583543 w 3962400"/>
-                <a:gd name="connsiteY17" fmla="*/ 914400 h 5254172"/>
-                <a:gd name="connsiteX18" fmla="*/ 2452915 w 3962400"/>
-                <a:gd name="connsiteY18" fmla="*/ 957943 h 5254172"/>
-                <a:gd name="connsiteX19" fmla="*/ 2264229 w 3962400"/>
-                <a:gd name="connsiteY19" fmla="*/ 856343 h 5254172"/>
-                <a:gd name="connsiteX20" fmla="*/ 2307772 w 3962400"/>
-                <a:gd name="connsiteY20" fmla="*/ 275772 h 5254172"/>
-                <a:gd name="connsiteX21" fmla="*/ 2394858 w 3962400"/>
-                <a:gd name="connsiteY21" fmla="*/ 0 h 5254172"/>
-                <a:gd name="connsiteX22" fmla="*/ 2743200 w 3962400"/>
-                <a:gd name="connsiteY22" fmla="*/ 29029 h 5254172"/>
-                <a:gd name="connsiteX23" fmla="*/ 3323772 w 3962400"/>
-                <a:gd name="connsiteY23" fmla="*/ 116115 h 5254172"/>
-                <a:gd name="connsiteX24" fmla="*/ 3628572 w 3962400"/>
-                <a:gd name="connsiteY24" fmla="*/ 1045029 h 5254172"/>
-                <a:gd name="connsiteX25" fmla="*/ 3643086 w 3962400"/>
-                <a:gd name="connsiteY25" fmla="*/ 1277258 h 5254172"/>
-                <a:gd name="connsiteX26" fmla="*/ 3730172 w 3962400"/>
-                <a:gd name="connsiteY26" fmla="*/ 2801258 h 5254172"/>
-                <a:gd name="connsiteX27" fmla="*/ 3947886 w 3962400"/>
-                <a:gd name="connsiteY27" fmla="*/ 3976915 h 5254172"/>
-                <a:gd name="connsiteX28" fmla="*/ 3962400 w 3962400"/>
-                <a:gd name="connsiteY28" fmla="*/ 4934858 h 5254172"/>
-                <a:gd name="connsiteX29" fmla="*/ 2830286 w 3962400"/>
-                <a:gd name="connsiteY29" fmla="*/ 5254172 h 5254172"/>
-                <a:gd name="connsiteX30" fmla="*/ 2685143 w 3962400"/>
-                <a:gd name="connsiteY30" fmla="*/ 5239658 h 5254172"/>
-                <a:gd name="connsiteX31" fmla="*/ 2017486 w 3962400"/>
-                <a:gd name="connsiteY31" fmla="*/ 5007429 h 5254172"/>
-                <a:gd name="connsiteX32" fmla="*/ 1944915 w 3962400"/>
-                <a:gd name="connsiteY32" fmla="*/ 4891315 h 5254172"/>
-                <a:gd name="connsiteX33" fmla="*/ 1872343 w 3962400"/>
-                <a:gd name="connsiteY33" fmla="*/ 4818743 h 5254172"/>
-                <a:gd name="connsiteX34" fmla="*/ 1190172 w 3962400"/>
-                <a:gd name="connsiteY34" fmla="*/ 4252686 h 5254172"/>
-                <a:gd name="connsiteX35" fmla="*/ 957943 w 3962400"/>
-                <a:gd name="connsiteY35" fmla="*/ 4136572 h 5254172"/>
-                <a:gd name="connsiteX36" fmla="*/ 769258 w 3962400"/>
-                <a:gd name="connsiteY36" fmla="*/ 4093029 h 5254172"/>
-                <a:gd name="connsiteX37" fmla="*/ 0 w 3962400"/>
-                <a:gd name="connsiteY37" fmla="*/ 3918858 h 5254172"/>
-                <a:gd name="connsiteX38" fmla="*/ 0 w 3962400"/>
-                <a:gd name="connsiteY38" fmla="*/ 3512458 h 5254172"/>
-                <a:gd name="connsiteX39" fmla="*/ 0 w 3962400"/>
-                <a:gd name="connsiteY39" fmla="*/ 3077029 h 5254172"/>
-                <a:gd name="connsiteX40" fmla="*/ 116115 w 3962400"/>
-                <a:gd name="connsiteY40" fmla="*/ 2989943 h 5254172"/>
-                <a:gd name="connsiteX41" fmla="*/ 159658 w 3962400"/>
-                <a:gd name="connsiteY41" fmla="*/ 2975429 h 5254172"/>
-                <a:gd name="connsiteX42" fmla="*/ 711200 w 3962400"/>
-                <a:gd name="connsiteY42" fmla="*/ 2786743 h 5254172"/>
-                <a:gd name="connsiteX0" fmla="*/ 711200 w 3962400"/>
-                <a:gd name="connsiteY0" fmla="*/ 2786743 h 5254172"/>
-                <a:gd name="connsiteX1" fmla="*/ 711200 w 3962400"/>
-                <a:gd name="connsiteY1" fmla="*/ 2786743 h 5254172"/>
-                <a:gd name="connsiteX2" fmla="*/ 812800 w 3962400"/>
-                <a:gd name="connsiteY2" fmla="*/ 2859315 h 5254172"/>
-                <a:gd name="connsiteX3" fmla="*/ 1436915 w 3962400"/>
-                <a:gd name="connsiteY3" fmla="*/ 3236686 h 5254172"/>
-                <a:gd name="connsiteX4" fmla="*/ 1451429 w 3962400"/>
-                <a:gd name="connsiteY4" fmla="*/ 3672115 h 5254172"/>
-                <a:gd name="connsiteX5" fmla="*/ 2017486 w 3962400"/>
-                <a:gd name="connsiteY5" fmla="*/ 3933372 h 5254172"/>
-                <a:gd name="connsiteX6" fmla="*/ 1944915 w 3962400"/>
-                <a:gd name="connsiteY6" fmla="*/ 4441372 h 5254172"/>
-                <a:gd name="connsiteX7" fmla="*/ 2293258 w 3962400"/>
-                <a:gd name="connsiteY7" fmla="*/ 5007429 h 5254172"/>
-                <a:gd name="connsiteX8" fmla="*/ 2873829 w 3962400"/>
-                <a:gd name="connsiteY8" fmla="*/ 5007429 h 5254172"/>
-                <a:gd name="connsiteX9" fmla="*/ 3831772 w 3962400"/>
-                <a:gd name="connsiteY9" fmla="*/ 4644572 h 5254172"/>
-                <a:gd name="connsiteX10" fmla="*/ 3831772 w 3962400"/>
-                <a:gd name="connsiteY10" fmla="*/ 4064000 h 5254172"/>
-                <a:gd name="connsiteX11" fmla="*/ 3338286 w 3962400"/>
-                <a:gd name="connsiteY11" fmla="*/ 3454400 h 5254172"/>
-                <a:gd name="connsiteX12" fmla="*/ 3338286 w 3962400"/>
-                <a:gd name="connsiteY12" fmla="*/ 3048000 h 5254172"/>
-                <a:gd name="connsiteX13" fmla="*/ 3556000 w 3962400"/>
-                <a:gd name="connsiteY13" fmla="*/ 1277258 h 5254172"/>
-                <a:gd name="connsiteX14" fmla="*/ 2801258 w 3962400"/>
-                <a:gd name="connsiteY14" fmla="*/ 1074058 h 5254172"/>
-                <a:gd name="connsiteX15" fmla="*/ 2656115 w 3962400"/>
-                <a:gd name="connsiteY15" fmla="*/ 1248229 h 5254172"/>
-                <a:gd name="connsiteX16" fmla="*/ 2656115 w 3962400"/>
-                <a:gd name="connsiteY16" fmla="*/ 1088572 h 5254172"/>
-                <a:gd name="connsiteX17" fmla="*/ 2583543 w 3962400"/>
-                <a:gd name="connsiteY17" fmla="*/ 914400 h 5254172"/>
-                <a:gd name="connsiteX18" fmla="*/ 2452915 w 3962400"/>
-                <a:gd name="connsiteY18" fmla="*/ 957943 h 5254172"/>
-                <a:gd name="connsiteX19" fmla="*/ 2264229 w 3962400"/>
-                <a:gd name="connsiteY19" fmla="*/ 856343 h 5254172"/>
-                <a:gd name="connsiteX20" fmla="*/ 2307772 w 3962400"/>
-                <a:gd name="connsiteY20" fmla="*/ 275772 h 5254172"/>
-                <a:gd name="connsiteX21" fmla="*/ 2394858 w 3962400"/>
-                <a:gd name="connsiteY21" fmla="*/ 0 h 5254172"/>
-                <a:gd name="connsiteX22" fmla="*/ 2743200 w 3962400"/>
-                <a:gd name="connsiteY22" fmla="*/ 29029 h 5254172"/>
-                <a:gd name="connsiteX23" fmla="*/ 3323772 w 3962400"/>
-                <a:gd name="connsiteY23" fmla="*/ 116115 h 5254172"/>
-                <a:gd name="connsiteX24" fmla="*/ 3628572 w 3962400"/>
-                <a:gd name="connsiteY24" fmla="*/ 1045029 h 5254172"/>
-                <a:gd name="connsiteX25" fmla="*/ 3643086 w 3962400"/>
-                <a:gd name="connsiteY25" fmla="*/ 1277258 h 5254172"/>
-                <a:gd name="connsiteX26" fmla="*/ 3730172 w 3962400"/>
-                <a:gd name="connsiteY26" fmla="*/ 2801258 h 5254172"/>
-                <a:gd name="connsiteX27" fmla="*/ 3947886 w 3962400"/>
-                <a:gd name="connsiteY27" fmla="*/ 3976915 h 5254172"/>
-                <a:gd name="connsiteX28" fmla="*/ 3962400 w 3962400"/>
-                <a:gd name="connsiteY28" fmla="*/ 4934858 h 5254172"/>
-                <a:gd name="connsiteX29" fmla="*/ 2830286 w 3962400"/>
-                <a:gd name="connsiteY29" fmla="*/ 5254172 h 5254172"/>
-                <a:gd name="connsiteX30" fmla="*/ 2685143 w 3962400"/>
-                <a:gd name="connsiteY30" fmla="*/ 5239658 h 5254172"/>
-                <a:gd name="connsiteX31" fmla="*/ 2017486 w 3962400"/>
-                <a:gd name="connsiteY31" fmla="*/ 5007429 h 5254172"/>
-                <a:gd name="connsiteX32" fmla="*/ 1944915 w 3962400"/>
-                <a:gd name="connsiteY32" fmla="*/ 4891315 h 5254172"/>
-                <a:gd name="connsiteX33" fmla="*/ 1872343 w 3962400"/>
-                <a:gd name="connsiteY33" fmla="*/ 4818743 h 5254172"/>
-                <a:gd name="connsiteX34" fmla="*/ 1190172 w 3962400"/>
-                <a:gd name="connsiteY34" fmla="*/ 4252686 h 5254172"/>
-                <a:gd name="connsiteX35" fmla="*/ 957943 w 3962400"/>
-                <a:gd name="connsiteY35" fmla="*/ 4136572 h 5254172"/>
-                <a:gd name="connsiteX36" fmla="*/ 769258 w 3962400"/>
-                <a:gd name="connsiteY36" fmla="*/ 4093029 h 5254172"/>
-                <a:gd name="connsiteX37" fmla="*/ 0 w 3962400"/>
-                <a:gd name="connsiteY37" fmla="*/ 3918858 h 5254172"/>
-                <a:gd name="connsiteX38" fmla="*/ 0 w 3962400"/>
-                <a:gd name="connsiteY38" fmla="*/ 3512458 h 5254172"/>
-                <a:gd name="connsiteX39" fmla="*/ 0 w 3962400"/>
-                <a:gd name="connsiteY39" fmla="*/ 3077029 h 5254172"/>
-                <a:gd name="connsiteX40" fmla="*/ 116115 w 3962400"/>
-                <a:gd name="connsiteY40" fmla="*/ 2989943 h 5254172"/>
-                <a:gd name="connsiteX41" fmla="*/ 159658 w 3962400"/>
-                <a:gd name="connsiteY41" fmla="*/ 2975429 h 5254172"/>
-                <a:gd name="connsiteX42" fmla="*/ 711200 w 3962400"/>
-                <a:gd name="connsiteY42" fmla="*/ 2786743 h 5254172"/>
-                <a:gd name="connsiteX0" fmla="*/ 711200 w 3962400"/>
-                <a:gd name="connsiteY0" fmla="*/ 2786743 h 5254172"/>
-                <a:gd name="connsiteX1" fmla="*/ 711200 w 3962400"/>
-                <a:gd name="connsiteY1" fmla="*/ 2786743 h 5254172"/>
-                <a:gd name="connsiteX2" fmla="*/ 812800 w 3962400"/>
-                <a:gd name="connsiteY2" fmla="*/ 2859315 h 5254172"/>
-                <a:gd name="connsiteX3" fmla="*/ 1436915 w 3962400"/>
-                <a:gd name="connsiteY3" fmla="*/ 3236686 h 5254172"/>
-                <a:gd name="connsiteX4" fmla="*/ 1451429 w 3962400"/>
-                <a:gd name="connsiteY4" fmla="*/ 3672115 h 5254172"/>
-                <a:gd name="connsiteX5" fmla="*/ 1944915 w 3962400"/>
-                <a:gd name="connsiteY5" fmla="*/ 3817258 h 5254172"/>
-                <a:gd name="connsiteX6" fmla="*/ 1944915 w 3962400"/>
-                <a:gd name="connsiteY6" fmla="*/ 4441372 h 5254172"/>
-                <a:gd name="connsiteX7" fmla="*/ 2293258 w 3962400"/>
-                <a:gd name="connsiteY7" fmla="*/ 5007429 h 5254172"/>
-                <a:gd name="connsiteX8" fmla="*/ 2873829 w 3962400"/>
-                <a:gd name="connsiteY8" fmla="*/ 5007429 h 5254172"/>
-                <a:gd name="connsiteX9" fmla="*/ 3831772 w 3962400"/>
-                <a:gd name="connsiteY9" fmla="*/ 4644572 h 5254172"/>
-                <a:gd name="connsiteX10" fmla="*/ 3831772 w 3962400"/>
-                <a:gd name="connsiteY10" fmla="*/ 4064000 h 5254172"/>
-                <a:gd name="connsiteX11" fmla="*/ 3338286 w 3962400"/>
-                <a:gd name="connsiteY11" fmla="*/ 3454400 h 5254172"/>
-                <a:gd name="connsiteX12" fmla="*/ 3338286 w 3962400"/>
-                <a:gd name="connsiteY12" fmla="*/ 3048000 h 5254172"/>
-                <a:gd name="connsiteX13" fmla="*/ 3556000 w 3962400"/>
-                <a:gd name="connsiteY13" fmla="*/ 1277258 h 5254172"/>
-                <a:gd name="connsiteX14" fmla="*/ 2801258 w 3962400"/>
-                <a:gd name="connsiteY14" fmla="*/ 1074058 h 5254172"/>
-                <a:gd name="connsiteX15" fmla="*/ 2656115 w 3962400"/>
-                <a:gd name="connsiteY15" fmla="*/ 1248229 h 5254172"/>
-                <a:gd name="connsiteX16" fmla="*/ 2656115 w 3962400"/>
-                <a:gd name="connsiteY16" fmla="*/ 1088572 h 5254172"/>
-                <a:gd name="connsiteX17" fmla="*/ 2583543 w 3962400"/>
-                <a:gd name="connsiteY17" fmla="*/ 914400 h 5254172"/>
-                <a:gd name="connsiteX18" fmla="*/ 2452915 w 3962400"/>
-                <a:gd name="connsiteY18" fmla="*/ 957943 h 5254172"/>
-                <a:gd name="connsiteX19" fmla="*/ 2264229 w 3962400"/>
-                <a:gd name="connsiteY19" fmla="*/ 856343 h 5254172"/>
-                <a:gd name="connsiteX20" fmla="*/ 2307772 w 3962400"/>
-                <a:gd name="connsiteY20" fmla="*/ 275772 h 5254172"/>
-                <a:gd name="connsiteX21" fmla="*/ 2394858 w 3962400"/>
-                <a:gd name="connsiteY21" fmla="*/ 0 h 5254172"/>
-                <a:gd name="connsiteX22" fmla="*/ 2743200 w 3962400"/>
-                <a:gd name="connsiteY22" fmla="*/ 29029 h 5254172"/>
-                <a:gd name="connsiteX23" fmla="*/ 3323772 w 3962400"/>
-                <a:gd name="connsiteY23" fmla="*/ 116115 h 5254172"/>
-                <a:gd name="connsiteX24" fmla="*/ 3628572 w 3962400"/>
-                <a:gd name="connsiteY24" fmla="*/ 1045029 h 5254172"/>
-                <a:gd name="connsiteX25" fmla="*/ 3643086 w 3962400"/>
-                <a:gd name="connsiteY25" fmla="*/ 1277258 h 5254172"/>
-                <a:gd name="connsiteX26" fmla="*/ 3730172 w 3962400"/>
-                <a:gd name="connsiteY26" fmla="*/ 2801258 h 5254172"/>
-                <a:gd name="connsiteX27" fmla="*/ 3947886 w 3962400"/>
-                <a:gd name="connsiteY27" fmla="*/ 3976915 h 5254172"/>
-                <a:gd name="connsiteX28" fmla="*/ 3962400 w 3962400"/>
-                <a:gd name="connsiteY28" fmla="*/ 4934858 h 5254172"/>
-                <a:gd name="connsiteX29" fmla="*/ 2830286 w 3962400"/>
-                <a:gd name="connsiteY29" fmla="*/ 5254172 h 5254172"/>
-                <a:gd name="connsiteX30" fmla="*/ 2685143 w 3962400"/>
-                <a:gd name="connsiteY30" fmla="*/ 5239658 h 5254172"/>
-                <a:gd name="connsiteX31" fmla="*/ 2017486 w 3962400"/>
-                <a:gd name="connsiteY31" fmla="*/ 5007429 h 5254172"/>
-                <a:gd name="connsiteX32" fmla="*/ 1944915 w 3962400"/>
-                <a:gd name="connsiteY32" fmla="*/ 4891315 h 5254172"/>
-                <a:gd name="connsiteX33" fmla="*/ 1872343 w 3962400"/>
-                <a:gd name="connsiteY33" fmla="*/ 4818743 h 5254172"/>
-                <a:gd name="connsiteX34" fmla="*/ 1190172 w 3962400"/>
-                <a:gd name="connsiteY34" fmla="*/ 4252686 h 5254172"/>
-                <a:gd name="connsiteX35" fmla="*/ 957943 w 3962400"/>
-                <a:gd name="connsiteY35" fmla="*/ 4136572 h 5254172"/>
-                <a:gd name="connsiteX36" fmla="*/ 769258 w 3962400"/>
-                <a:gd name="connsiteY36" fmla="*/ 4093029 h 5254172"/>
-                <a:gd name="connsiteX37" fmla="*/ 0 w 3962400"/>
-                <a:gd name="connsiteY37" fmla="*/ 3918858 h 5254172"/>
-                <a:gd name="connsiteX38" fmla="*/ 0 w 3962400"/>
-                <a:gd name="connsiteY38" fmla="*/ 3512458 h 5254172"/>
-                <a:gd name="connsiteX39" fmla="*/ 0 w 3962400"/>
-                <a:gd name="connsiteY39" fmla="*/ 3077029 h 5254172"/>
-                <a:gd name="connsiteX40" fmla="*/ 116115 w 3962400"/>
-                <a:gd name="connsiteY40" fmla="*/ 2989943 h 5254172"/>
-                <a:gd name="connsiteX41" fmla="*/ 159658 w 3962400"/>
-                <a:gd name="connsiteY41" fmla="*/ 2975429 h 5254172"/>
-                <a:gd name="connsiteX42" fmla="*/ 711200 w 3962400"/>
-                <a:gd name="connsiteY42" fmla="*/ 2786743 h 5254172"/>
-              </a:gdLst>
-              <a:ahLst/>
-              <a:cxnLst>
-                <a:cxn ang="0">
-                  <a:pos x="connsiteX0" y="connsiteY0"/>
-                </a:cxn>
-                <a:cxn ang="0">
-                  <a:pos x="connsiteX1" y="connsiteY1"/>
-                </a:cxn>
-                <a:cxn ang="0">
-                  <a:pos x="connsiteX2" y="connsiteY2"/>
-                </a:cxn>
-                <a:cxn ang="0">
-                  <a:pos x="connsiteX3" y="connsiteY3"/>
-                </a:cxn>
-                <a:cxn ang="0">
-                  <a:pos x="connsiteX4" y="connsiteY4"/>
-                </a:cxn>
-                <a:cxn ang="0">
-                  <a:pos x="connsiteX5" y="connsiteY5"/>
-                </a:cxn>
-                <a:cxn ang="0">
-                  <a:pos x="connsiteX6" y="connsiteY6"/>
-                </a:cxn>
-                <a:cxn ang="0">
-                  <a:pos x="connsiteX7" y="connsiteY7"/>
-                </a:cxn>
-                <a:cxn ang="0">
-                  <a:pos x="connsiteX8" y="connsiteY8"/>
-                </a:cxn>
-                <a:cxn ang="0">
-                  <a:pos x="connsiteX9" y="connsiteY9"/>
-                </a:cxn>
-                <a:cxn ang="0">
-                  <a:pos x="connsiteX10" y="connsiteY10"/>
-                </a:cxn>
-                <a:cxn ang="0">
-                  <a:pos x="connsiteX11" y="connsiteY11"/>
-                </a:cxn>
-                <a:cxn ang="0">
-                  <a:pos x="connsiteX12" y="connsiteY12"/>
-                </a:cxn>
-                <a:cxn ang="0">
-                  <a:pos x="connsiteX13" y="connsiteY13"/>
-                </a:cxn>
-                <a:cxn ang="0">
-                  <a:pos x="connsiteX14" y="connsiteY14"/>
-                </a:cxn>
-                <a:cxn ang="0">
-                  <a:pos x="connsiteX15" y="connsiteY15"/>
-                </a:cxn>
-                <a:cxn ang="0">
-                  <a:pos x="connsiteX16" y="connsiteY16"/>
-                </a:cxn>
-                <a:cxn ang="0">
-                  <a:pos x="connsiteX17" y="connsiteY17"/>
-                </a:cxn>
-                <a:cxn ang="0">
-                  <a:pos x="connsiteX18" y="connsiteY18"/>
-                </a:cxn>
-                <a:cxn ang="0">
-                  <a:pos x="connsiteX19" y="connsiteY19"/>
-                </a:cxn>
-                <a:cxn ang="0">
-                  <a:pos x="connsiteX20" y="connsiteY20"/>
-                </a:cxn>
-                <a:cxn ang="0">
-                  <a:pos x="connsiteX21" y="connsiteY21"/>
-                </a:cxn>
-                <a:cxn ang="0">
-                  <a:pos x="connsiteX22" y="connsiteY22"/>
-                </a:cxn>
-                <a:cxn ang="0">
-                  <a:pos x="connsiteX23" y="connsiteY23"/>
-                </a:cxn>
-                <a:cxn ang="0">
-                  <a:pos x="connsiteX24" y="connsiteY24"/>
-                </a:cxn>
-                <a:cxn ang="0">
-                  <a:pos x="connsiteX25" y="connsiteY25"/>
-                </a:cxn>
-                <a:cxn ang="0">
-                  <a:pos x="connsiteX26" y="connsiteY26"/>
-                </a:cxn>
-                <a:cxn ang="0">
-                  <a:pos x="connsiteX27" y="connsiteY27"/>
-                </a:cxn>
-                <a:cxn ang="0">
-                  <a:pos x="connsiteX28" y="connsiteY28"/>
-                </a:cxn>
-                <a:cxn ang="0">
-                  <a:pos x="connsiteX29" y="connsiteY29"/>
-                </a:cxn>
-                <a:cxn ang="0">
-                  <a:pos x="connsiteX30" y="connsiteY30"/>
-                </a:cxn>
-                <a:cxn ang="0">
-                  <a:pos x="connsiteX31" y="connsiteY31"/>
-                </a:cxn>
-                <a:cxn ang="0">
-                  <a:pos x="connsiteX32" y="connsiteY32"/>
-                </a:cxn>
-                <a:cxn ang="0">
-                  <a:pos x="connsiteX33" y="connsiteY33"/>
-                </a:cxn>
-                <a:cxn ang="0">
-                  <a:pos x="connsiteX34" y="connsiteY34"/>
-                </a:cxn>
-                <a:cxn ang="0">
-                  <a:pos x="connsiteX35" y="connsiteY35"/>
-                </a:cxn>
-                <a:cxn ang="0">
-                  <a:pos x="connsiteX36" y="connsiteY36"/>
-                </a:cxn>
-                <a:cxn ang="0">
-                  <a:pos x="connsiteX37" y="connsiteY37"/>
-                </a:cxn>
-                <a:cxn ang="0">
-                  <a:pos x="connsiteX38" y="connsiteY38"/>
-                </a:cxn>
-                <a:cxn ang="0">
-                  <a:pos x="connsiteX39" y="connsiteY39"/>
-                </a:cxn>
-                <a:cxn ang="0">
-                  <a:pos x="connsiteX40" y="connsiteY40"/>
-                </a:cxn>
-                <a:cxn ang="0">
-                  <a:pos x="connsiteX41" y="connsiteY41"/>
-                </a:cxn>
-                <a:cxn ang="0">
-                  <a:pos x="connsiteX42" y="connsiteY42"/>
-                </a:cxn>
-              </a:cxnLst>
-              <a:rect l="l" t="t" r="r" b="b"/>
-              <a:pathLst>
-                <a:path w="3962400" h="5254172">
-                  <a:moveTo>
-                    <a:pt x="711200" y="2786743"/>
-                  </a:moveTo>
-                  <a:lnTo>
-                    <a:pt x="711200" y="2786743"/>
-                  </a:lnTo>
-                  <a:lnTo>
-                    <a:pt x="812800" y="2859315"/>
-                  </a:lnTo>
-                  <a:lnTo>
-                    <a:pt x="1436915" y="3236686"/>
-                  </a:lnTo>
-                  <a:lnTo>
-                    <a:pt x="1451429" y="3672115"/>
-                  </a:lnTo>
-                  <a:lnTo>
-                    <a:pt x="1944915" y="3817258"/>
-                  </a:lnTo>
-                  <a:lnTo>
-                    <a:pt x="1944915" y="4441372"/>
-                  </a:lnTo>
-                  <a:lnTo>
-                    <a:pt x="2293258" y="5007429"/>
-                  </a:lnTo>
-                  <a:lnTo>
-                    <a:pt x="2873829" y="5007429"/>
-                  </a:lnTo>
-                  <a:lnTo>
-                    <a:pt x="3831772" y="4644572"/>
-                  </a:lnTo>
-                  <a:lnTo>
-                    <a:pt x="3831772" y="4064000"/>
-                  </a:lnTo>
-                  <a:lnTo>
-                    <a:pt x="3338286" y="3454400"/>
-                  </a:lnTo>
-                  <a:lnTo>
-                    <a:pt x="3338286" y="3048000"/>
-                  </a:lnTo>
-                  <a:lnTo>
-                    <a:pt x="3556000" y="1277258"/>
-                  </a:lnTo>
-                  <a:lnTo>
-                    <a:pt x="2801258" y="1074058"/>
-                  </a:lnTo>
-                  <a:lnTo>
-                    <a:pt x="2656115" y="1248229"/>
-                  </a:lnTo>
-                  <a:lnTo>
-                    <a:pt x="2656115" y="1088572"/>
-                  </a:lnTo>
-                  <a:lnTo>
-                    <a:pt x="2583543" y="914400"/>
-                  </a:lnTo>
-                  <a:lnTo>
-                    <a:pt x="2452915" y="957943"/>
-                  </a:lnTo>
-                  <a:lnTo>
-                    <a:pt x="2264229" y="856343"/>
-                  </a:lnTo>
-                  <a:lnTo>
-                    <a:pt x="2307772" y="275772"/>
-                  </a:lnTo>
-                  <a:lnTo>
-                    <a:pt x="2394858" y="0"/>
-                  </a:lnTo>
-                  <a:cubicBezTo>
-                    <a:pt x="2684966" y="32235"/>
-                    <a:pt x="2568493" y="29029"/>
-                    <a:pt x="2743200" y="29029"/>
-                  </a:cubicBezTo>
-                  <a:lnTo>
-                    <a:pt x="3323772" y="116115"/>
-                  </a:lnTo>
-                  <a:lnTo>
-                    <a:pt x="3628572" y="1045029"/>
-                  </a:lnTo>
-                  <a:cubicBezTo>
-                    <a:pt x="3644693" y="1238486"/>
-                    <a:pt x="3643086" y="1160942"/>
-                    <a:pt x="3643086" y="1277258"/>
-                  </a:cubicBezTo>
-                  <a:lnTo>
-                    <a:pt x="3730172" y="2801258"/>
-                  </a:lnTo>
-                  <a:lnTo>
-                    <a:pt x="3947886" y="3976915"/>
-                  </a:lnTo>
-                  <a:lnTo>
-                    <a:pt x="3962400" y="4934858"/>
-                  </a:lnTo>
-                  <a:lnTo>
-                    <a:pt x="2830286" y="5254172"/>
-                  </a:lnTo>
-                  <a:lnTo>
-                    <a:pt x="2685143" y="5239658"/>
-                  </a:lnTo>
-                  <a:lnTo>
-                    <a:pt x="2017486" y="5007429"/>
-                  </a:lnTo>
-                  <a:cubicBezTo>
-                    <a:pt x="1993296" y="4968724"/>
-                    <a:pt x="1972744" y="4927492"/>
-                    <a:pt x="1944915" y="4891315"/>
-                  </a:cubicBezTo>
-                  <a:cubicBezTo>
-                    <a:pt x="1924056" y="4864199"/>
-                    <a:pt x="1872343" y="4818743"/>
-                    <a:pt x="1872343" y="4818743"/>
-                  </a:cubicBezTo>
-                  <a:lnTo>
-                    <a:pt x="1190172" y="4252686"/>
-                  </a:lnTo>
-                  <a:cubicBezTo>
-                    <a:pt x="1112762" y="4213981"/>
-                    <a:pt x="1038864" y="4167266"/>
-                    <a:pt x="957943" y="4136572"/>
-                  </a:cubicBezTo>
-                  <a:cubicBezTo>
-                    <a:pt x="897591" y="4113680"/>
-                    <a:pt x="769258" y="4093029"/>
-                    <a:pt x="769258" y="4093029"/>
-                  </a:cubicBezTo>
-                  <a:lnTo>
-                    <a:pt x="0" y="3918858"/>
-                  </a:lnTo>
-                  <a:lnTo>
-                    <a:pt x="0" y="3512458"/>
-                  </a:lnTo>
-                  <a:lnTo>
-                    <a:pt x="0" y="3077029"/>
-                  </a:lnTo>
-                  <a:cubicBezTo>
-                    <a:pt x="38705" y="3048000"/>
-                    <a:pt x="75298" y="3015918"/>
-                    <a:pt x="116115" y="2989943"/>
-                  </a:cubicBezTo>
-                  <a:cubicBezTo>
-                    <a:pt x="129023" y="2981729"/>
-                    <a:pt x="159658" y="2975429"/>
-                    <a:pt x="159658" y="2975429"/>
-                  </a:cubicBezTo>
-                  <a:lnTo>
-                    <a:pt x="711200" y="2786743"/>
-                  </a:lnTo>
-                  <a:close/>
-                </a:path>
-              </a:pathLst>
-            </a:custGeom>
-            <a:solidFill>
-              <a:schemeClr val="bg1"/>
-            </a:solidFill>
-            <a:ln>
-              <a:noFill/>
-            </a:ln>
-          </p:spPr>
-          <p:style>
-            <a:lnRef idx="2">
-              <a:schemeClr val="accent1">
-                <a:shade val="50000"/>
-              </a:schemeClr>
-            </a:lnRef>
-            <a:fillRef idx="1">
-              <a:schemeClr val="accent1"/>
-            </a:fillRef>
-            <a:effectRef idx="0">
-              <a:schemeClr val="accent1"/>
-            </a:effectRef>
-            <a:fontRef idx="minor">
-              <a:schemeClr val="lt1"/>
-            </a:fontRef>
-          </p:style>
-          <p:txBody>
-            <a:bodyPr rtlCol="0" anchor="ctr"/>
-            <a:lstStyle/>
-            <a:p>
-              <a:pPr algn="ctr"/>
-              <a:endParaRPr lang="en-GB"/>
-            </a:p>
-          </p:txBody>
-        </p:sp>
-      </p:grpSp>
-      <p:sp>
-        <p:nvSpPr>
-          <p:cNvPr id="19" name="Oval 18">
-            <a:extLst>
-              <a:ext uri="{FF2B5EF4-FFF2-40B4-BE49-F238E27FC236}">
-                <a16:creationId xmlns:a16="http://schemas.microsoft.com/office/drawing/2014/main" id="{299336E6-0F1B-4EF8-A43B-EB02B6080D2C}"/>
-              </a:ext>
-            </a:extLst>
-          </p:cNvPr>
-          <p:cNvSpPr/>
-          <p:nvPr/>
-        </p:nvSpPr>
-        <p:spPr>
-          <a:xfrm>
-            <a:off x="7655826" y="4894866"/>
-            <a:ext cx="372982" cy="372982"/>
-          </a:xfrm>
-          <a:prstGeom prst="ellipse">
-            <a:avLst/>
-          </a:prstGeom>
-          <a:solidFill>
-            <a:schemeClr val="accent2">
-              <a:lumMod val="60000"/>
-              <a:lumOff val="40000"/>
-            </a:schemeClr>
-          </a:solidFill>
-          <a:ln>
-            <a:solidFill>
-              <a:schemeClr val="tx1"/>
-            </a:solidFill>
-            <a:prstDash val="dash"/>
-          </a:ln>
-        </p:spPr>
-        <p:style>
-          <a:lnRef idx="2">
-            <a:schemeClr val="accent1">
-              <a:shade val="50000"/>
-            </a:schemeClr>
-          </a:lnRef>
-          <a:fillRef idx="1">
-            <a:schemeClr val="accent1"/>
-          </a:fillRef>
-          <a:effectRef idx="0">
-            <a:schemeClr val="accent1"/>
-          </a:effectRef>
-          <a:fontRef idx="minor">
-            <a:schemeClr val="lt1"/>
-          </a:fontRef>
-        </p:style>
-        <p:txBody>
-          <a:bodyPr rtlCol="0" anchor="ctr"/>
-          <a:lstStyle/>
-          <a:p>
-            <a:pPr algn="ctr"/>
-            <a:endParaRPr lang="en-GB"/>
-          </a:p>
-        </p:txBody>
-      </p:sp>
-      <p:cxnSp>
-        <p:nvCxnSpPr>
-          <p:cNvPr id="12" name="Straight Arrow Connector 11">
-            <a:extLst>
-              <a:ext uri="{FF2B5EF4-FFF2-40B4-BE49-F238E27FC236}">
-                <a16:creationId xmlns:a16="http://schemas.microsoft.com/office/drawing/2014/main" id="{FD91B696-53C1-4A0E-AC27-23DFCC2FB236}"/>
-              </a:ext>
-            </a:extLst>
-          </p:cNvPr>
-          <p:cNvCxnSpPr>
-            <a:cxnSpLocks/>
-          </p:cNvCxnSpPr>
-          <p:nvPr/>
-        </p:nvCxnSpPr>
-        <p:spPr>
-          <a:xfrm flipV="1">
-            <a:off x="7331857" y="5565118"/>
-            <a:ext cx="228344" cy="420089"/>
-          </a:xfrm>
-          <a:prstGeom prst="straightConnector1">
-            <a:avLst/>
-          </a:prstGeom>
-          <a:ln w="28575">
-            <a:solidFill>
-              <a:schemeClr val="tx1">
-                <a:lumMod val="50000"/>
-                <a:lumOff val="50000"/>
-              </a:schemeClr>
-            </a:solidFill>
-            <a:headEnd type="none"/>
-            <a:tailEnd type="arrow"/>
-          </a:ln>
-        </p:spPr>
-        <p:style>
-          <a:lnRef idx="1">
-            <a:schemeClr val="accent1"/>
-          </a:lnRef>
-          <a:fillRef idx="0">
-            <a:schemeClr val="accent1"/>
-          </a:fillRef>
-          <a:effectRef idx="0">
-            <a:schemeClr val="accent1"/>
-          </a:effectRef>
-          <a:fontRef idx="minor">
-            <a:schemeClr val="tx1"/>
-          </a:fontRef>
-        </p:style>
-      </p:cxnSp>
-      <p:cxnSp>
-        <p:nvCxnSpPr>
-          <p:cNvPr id="13" name="Straight Arrow Connector 12">
-            <a:extLst>
-              <a:ext uri="{FF2B5EF4-FFF2-40B4-BE49-F238E27FC236}">
-                <a16:creationId xmlns:a16="http://schemas.microsoft.com/office/drawing/2014/main" id="{3CECCB48-CF1E-462B-9508-E553443C2417}"/>
-              </a:ext>
-            </a:extLst>
-          </p:cNvPr>
-          <p:cNvCxnSpPr>
-            <a:cxnSpLocks/>
-          </p:cNvCxnSpPr>
-          <p:nvPr/>
-        </p:nvCxnSpPr>
-        <p:spPr>
-          <a:xfrm flipV="1">
-            <a:off x="8146504" y="4068827"/>
-            <a:ext cx="228344" cy="420089"/>
-          </a:xfrm>
-          <a:prstGeom prst="straightConnector1">
-            <a:avLst/>
-          </a:prstGeom>
-          <a:ln w="28575">
-            <a:solidFill>
-              <a:schemeClr val="tx1">
-                <a:lumMod val="50000"/>
-                <a:lumOff val="50000"/>
-              </a:schemeClr>
-            </a:solidFill>
-            <a:headEnd type="arrow"/>
-            <a:tailEnd type="none"/>
-          </a:ln>
-        </p:spPr>
-        <p:style>
-          <a:lnRef idx="1">
-            <a:schemeClr val="accent1"/>
-          </a:lnRef>
-          <a:fillRef idx="0">
-            <a:schemeClr val="accent1"/>
-          </a:fillRef>
-          <a:effectRef idx="0">
-            <a:schemeClr val="accent1"/>
-          </a:effectRef>
-          <a:fontRef idx="minor">
-            <a:schemeClr val="tx1"/>
-          </a:fontRef>
-        </p:style>
-      </p:cxnSp>
-    </p:spTree>
-    <p:extLst>
-      <p:ext uri="{BB962C8B-B14F-4D97-AF65-F5344CB8AC3E}">
-        <p14:creationId xmlns:p14="http://schemas.microsoft.com/office/powerpoint/2010/main" val="1159644786"/>
-      </p:ext>
-    </p:extLst>
-  </p:cSld>
-  <p:clrMapOvr>
-    <a:masterClrMapping/>
-  </p:clrMapOvr>
-  <mc:AlternateContent xmlns:mc="http://schemas.openxmlformats.org/markup-compatibility/2006" xmlns:p14="http://schemas.microsoft.com/office/powerpoint/2010/main">
-    <mc:Choice Requires="p14">
-      <p:transition spd="med" p14:dur="700" advTm="1500">
-        <p:fade/>
-      </p:transition>
-    </mc:Choice>
-    <mc:Fallback xmlns="">
-      <p:transition spd="med" advTm="1500">
-        <p:fade/>
-      </p:transition>
-    </mc:Fallback>
-  </mc:AlternateContent>
-</p:sld>
-</file>
-
-<file path=ppt/slides/slide8.xml><?xml version="1.0" encoding="utf-8"?>
-<p:sld xmlns:a="http://schemas.openxmlformats.org/drawingml/2006/main" xmlns:r="http://schemas.openxmlformats.org/officeDocument/2006/relationships" xmlns:p="http://schemas.openxmlformats.org/presentationml/2006/main">
-  <p:cSld>
-    <p:spTree>
-      <p:nvGrpSpPr>
-        <p:cNvPr id="1" name=""/>
-        <p:cNvGrpSpPr/>
-        <p:nvPr/>
-      </p:nvGrpSpPr>
-      <p:grpSpPr>
-        <a:xfrm>
-          <a:off x="0" y="0"/>
-          <a:ext cx="0" cy="0"/>
-          <a:chOff x="0" y="0"/>
-          <a:chExt cx="0" cy="0"/>
-        </a:xfrm>
-      </p:grpSpPr>
-      <p:pic>
-        <p:nvPicPr>
-          <p:cNvPr id="7" name="Picture 6">
-            <a:extLst>
-              <a:ext uri="{FF2B5EF4-FFF2-40B4-BE49-F238E27FC236}">
-                <a16:creationId xmlns:a16="http://schemas.microsoft.com/office/drawing/2014/main" id="{3F34391F-AC94-424B-A434-CED270D00698}"/>
-              </a:ext>
-            </a:extLst>
-          </p:cNvPr>
-          <p:cNvPicPr>
-            <a:picLocks noChangeAspect="1"/>
-          </p:cNvPicPr>
-          <p:nvPr/>
-        </p:nvPicPr>
-        <p:blipFill rotWithShape="1">
-          <a:blip r:embed="rId2"/>
-          <a:srcRect l="57657" t="18840" r="25735" b="29330"/>
-          <a:stretch/>
-        </p:blipFill>
-        <p:spPr>
-          <a:xfrm>
-            <a:off x="3813846" y="1384094"/>
-            <a:ext cx="3172070" cy="3175462"/>
-          </a:xfrm>
-          <a:prstGeom prst="rect">
-            <a:avLst/>
-          </a:prstGeom>
-        </p:spPr>
-      </p:pic>
-      <p:pic>
-        <p:nvPicPr>
-          <p:cNvPr id="8" name="Picture 7">
-            <a:extLst>
-              <a:ext uri="{FF2B5EF4-FFF2-40B4-BE49-F238E27FC236}">
-                <a16:creationId xmlns:a16="http://schemas.microsoft.com/office/drawing/2014/main" id="{7DBE056E-AF0B-4692-A074-06F2E0641FE3}"/>
-              </a:ext>
-            </a:extLst>
-          </p:cNvPr>
-          <p:cNvPicPr>
-            <a:picLocks noChangeAspect="1"/>
-          </p:cNvPicPr>
-          <p:nvPr/>
-        </p:nvPicPr>
-        <p:blipFill rotWithShape="1">
-          <a:blip r:embed="rId2"/>
-          <a:srcRect l="74360" t="18840" r="9032" b="29330"/>
-          <a:stretch/>
-        </p:blipFill>
-        <p:spPr>
-          <a:xfrm>
-            <a:off x="3813846" y="4713367"/>
-            <a:ext cx="3172070" cy="3175462"/>
-          </a:xfrm>
-          <a:prstGeom prst="rect">
-            <a:avLst/>
-          </a:prstGeom>
-        </p:spPr>
-      </p:pic>
-      <p:pic>
-        <p:nvPicPr>
-          <p:cNvPr id="9" name="Picture 8">
-            <a:extLst>
-              <a:ext uri="{FF2B5EF4-FFF2-40B4-BE49-F238E27FC236}">
-                <a16:creationId xmlns:a16="http://schemas.microsoft.com/office/drawing/2014/main" id="{651E7790-8122-4683-BCE4-1DF5A0D4857D}"/>
-              </a:ext>
-            </a:extLst>
-          </p:cNvPr>
-          <p:cNvPicPr>
-            <a:picLocks noChangeAspect="1"/>
-          </p:cNvPicPr>
-          <p:nvPr/>
-        </p:nvPicPr>
-        <p:blipFill rotWithShape="1">
-          <a:blip r:embed="rId2"/>
-          <a:srcRect l="57438" t="12191" r="9033" b="81025"/>
-          <a:stretch/>
-        </p:blipFill>
-        <p:spPr>
-          <a:xfrm>
-            <a:off x="2197868" y="814647"/>
-            <a:ext cx="6404025" cy="415636"/>
-          </a:xfrm>
-          <a:prstGeom prst="rect">
-            <a:avLst/>
-          </a:prstGeom>
-        </p:spPr>
-      </p:pic>
-      <p:grpSp>
-        <p:nvGrpSpPr>
-          <p:cNvPr id="11" name="Group 10">
-            <a:extLst>
-              <a:ext uri="{FF2B5EF4-FFF2-40B4-BE49-F238E27FC236}">
-                <a16:creationId xmlns:a16="http://schemas.microsoft.com/office/drawing/2014/main" id="{4C778F75-F58F-4326-B5BB-1699AF93D8D2}"/>
-              </a:ext>
-            </a:extLst>
-          </p:cNvPr>
-          <p:cNvGrpSpPr/>
-          <p:nvPr/>
-        </p:nvGrpSpPr>
-        <p:grpSpPr>
-          <a:xfrm>
-            <a:off x="7510425" y="4397066"/>
-            <a:ext cx="1952624" cy="2589194"/>
-            <a:chOff x="7082971" y="3933371"/>
-            <a:chExt cx="3962400" cy="5254172"/>
-          </a:xfrm>
-        </p:grpSpPr>
-        <p:pic>
-          <p:nvPicPr>
-            <p:cNvPr id="1028" name="Picture 4" descr="Image result for fingers tablet black and white">
-              <a:extLst>
-                <a:ext uri="{FF2B5EF4-FFF2-40B4-BE49-F238E27FC236}">
-                  <a16:creationId xmlns:a16="http://schemas.microsoft.com/office/drawing/2014/main" id="{CF44220B-A575-4ADF-9E2B-E7B66AC8AA33}"/>
-                </a:ext>
-              </a:extLst>
-            </p:cNvPr>
-            <p:cNvPicPr>
-              <a:picLocks noChangeAspect="1" noChangeArrowheads="1"/>
-            </p:cNvPicPr>
-            <p:nvPr/>
-          </p:nvPicPr>
-          <p:blipFill rotWithShape="1">
-            <a:blip r:embed="rId3">
-              <a:extLst>
-                <a:ext uri="{28A0092B-C50C-407E-A947-70E740481C1C}">
-                  <a14:useLocalDpi xmlns:a14="http://schemas.microsoft.com/office/drawing/2010/main" val="0"/>
-                </a:ext>
-              </a:extLst>
-            </a:blip>
-            <a:srcRect l="39088" t="32954" r="7607" b="2519"/>
-            <a:stretch/>
-          </p:blipFill>
-          <p:spPr bwMode="auto">
-            <a:xfrm>
-              <a:off x="7170056" y="4123015"/>
-              <a:ext cx="3860801" cy="4673600"/>
-            </a:xfrm>
-            <a:prstGeom prst="rect">
-              <a:avLst/>
-            </a:prstGeom>
-            <a:noFill/>
-            <a:extLst>
-              <a:ext uri="{909E8E84-426E-40DD-AFC4-6F175D3DCCD1}">
-                <a14:hiddenFill xmlns:a14="http://schemas.microsoft.com/office/drawing/2010/main">
-                  <a:solidFill>
-                    <a:srgbClr val="FFFFFF"/>
-                  </a:solidFill>
-                </a14:hiddenFill>
-              </a:ext>
-            </a:extLst>
-          </p:spPr>
-        </p:pic>
-        <p:sp>
-          <p:nvSpPr>
-            <p:cNvPr id="10" name="Freeform: Shape 9">
-              <a:extLst>
-                <a:ext uri="{FF2B5EF4-FFF2-40B4-BE49-F238E27FC236}">
-                  <a16:creationId xmlns:a16="http://schemas.microsoft.com/office/drawing/2014/main" id="{228273E8-9AC5-45A0-9252-1865FB8FFF3F}"/>
-                </a:ext>
-              </a:extLst>
-            </p:cNvPr>
-            <p:cNvSpPr/>
-            <p:nvPr/>
-          </p:nvSpPr>
-          <p:spPr>
-            <a:xfrm>
-              <a:off x="7082971" y="3933371"/>
-              <a:ext cx="3962400" cy="5254172"/>
-            </a:xfrm>
-            <a:custGeom>
-              <a:avLst/>
-              <a:gdLst>
-                <a:gd name="connsiteX0" fmla="*/ 711200 w 3962400"/>
-                <a:gd name="connsiteY0" fmla="*/ 2786743 h 5254172"/>
-                <a:gd name="connsiteX1" fmla="*/ 711200 w 3962400"/>
-                <a:gd name="connsiteY1" fmla="*/ 2786743 h 5254172"/>
-                <a:gd name="connsiteX2" fmla="*/ 812800 w 3962400"/>
-                <a:gd name="connsiteY2" fmla="*/ 2859315 h 5254172"/>
-                <a:gd name="connsiteX3" fmla="*/ 1436915 w 3962400"/>
-                <a:gd name="connsiteY3" fmla="*/ 3236686 h 5254172"/>
-                <a:gd name="connsiteX4" fmla="*/ 1451429 w 3962400"/>
-                <a:gd name="connsiteY4" fmla="*/ 3672115 h 5254172"/>
-                <a:gd name="connsiteX5" fmla="*/ 1959429 w 3962400"/>
-                <a:gd name="connsiteY5" fmla="*/ 3860800 h 5254172"/>
-                <a:gd name="connsiteX6" fmla="*/ 1944915 w 3962400"/>
-                <a:gd name="connsiteY6" fmla="*/ 4441372 h 5254172"/>
-                <a:gd name="connsiteX7" fmla="*/ 2293258 w 3962400"/>
-                <a:gd name="connsiteY7" fmla="*/ 5007429 h 5254172"/>
-                <a:gd name="connsiteX8" fmla="*/ 2873829 w 3962400"/>
-                <a:gd name="connsiteY8" fmla="*/ 5007429 h 5254172"/>
-                <a:gd name="connsiteX9" fmla="*/ 3831772 w 3962400"/>
-                <a:gd name="connsiteY9" fmla="*/ 4644572 h 5254172"/>
-                <a:gd name="connsiteX10" fmla="*/ 3831772 w 3962400"/>
-                <a:gd name="connsiteY10" fmla="*/ 4064000 h 5254172"/>
-                <a:gd name="connsiteX11" fmla="*/ 3338286 w 3962400"/>
-                <a:gd name="connsiteY11" fmla="*/ 3454400 h 5254172"/>
-                <a:gd name="connsiteX12" fmla="*/ 3338286 w 3962400"/>
-                <a:gd name="connsiteY12" fmla="*/ 3048000 h 5254172"/>
-                <a:gd name="connsiteX13" fmla="*/ 3556000 w 3962400"/>
-                <a:gd name="connsiteY13" fmla="*/ 1277258 h 5254172"/>
-                <a:gd name="connsiteX14" fmla="*/ 2801258 w 3962400"/>
-                <a:gd name="connsiteY14" fmla="*/ 1074058 h 5254172"/>
-                <a:gd name="connsiteX15" fmla="*/ 2656115 w 3962400"/>
-                <a:gd name="connsiteY15" fmla="*/ 1248229 h 5254172"/>
-                <a:gd name="connsiteX16" fmla="*/ 2656115 w 3962400"/>
-                <a:gd name="connsiteY16" fmla="*/ 1088572 h 5254172"/>
-                <a:gd name="connsiteX17" fmla="*/ 2583543 w 3962400"/>
-                <a:gd name="connsiteY17" fmla="*/ 914400 h 5254172"/>
-                <a:gd name="connsiteX18" fmla="*/ 2452915 w 3962400"/>
-                <a:gd name="connsiteY18" fmla="*/ 957943 h 5254172"/>
-                <a:gd name="connsiteX19" fmla="*/ 2264229 w 3962400"/>
-                <a:gd name="connsiteY19" fmla="*/ 856343 h 5254172"/>
-                <a:gd name="connsiteX20" fmla="*/ 2307772 w 3962400"/>
-                <a:gd name="connsiteY20" fmla="*/ 275772 h 5254172"/>
-                <a:gd name="connsiteX21" fmla="*/ 2394858 w 3962400"/>
-                <a:gd name="connsiteY21" fmla="*/ 0 h 5254172"/>
-                <a:gd name="connsiteX22" fmla="*/ 2743200 w 3962400"/>
-                <a:gd name="connsiteY22" fmla="*/ 29029 h 5254172"/>
-                <a:gd name="connsiteX23" fmla="*/ 3323772 w 3962400"/>
-                <a:gd name="connsiteY23" fmla="*/ 116115 h 5254172"/>
-                <a:gd name="connsiteX24" fmla="*/ 3628572 w 3962400"/>
-                <a:gd name="connsiteY24" fmla="*/ 1045029 h 5254172"/>
-                <a:gd name="connsiteX25" fmla="*/ 3643086 w 3962400"/>
-                <a:gd name="connsiteY25" fmla="*/ 1277258 h 5254172"/>
-                <a:gd name="connsiteX26" fmla="*/ 3730172 w 3962400"/>
-                <a:gd name="connsiteY26" fmla="*/ 2801258 h 5254172"/>
-                <a:gd name="connsiteX27" fmla="*/ 3947886 w 3962400"/>
-                <a:gd name="connsiteY27" fmla="*/ 3976915 h 5254172"/>
-                <a:gd name="connsiteX28" fmla="*/ 3962400 w 3962400"/>
-                <a:gd name="connsiteY28" fmla="*/ 4934858 h 5254172"/>
-                <a:gd name="connsiteX29" fmla="*/ 2830286 w 3962400"/>
-                <a:gd name="connsiteY29" fmla="*/ 5254172 h 5254172"/>
-                <a:gd name="connsiteX30" fmla="*/ 2685143 w 3962400"/>
-                <a:gd name="connsiteY30" fmla="*/ 5239658 h 5254172"/>
-                <a:gd name="connsiteX31" fmla="*/ 2017486 w 3962400"/>
-                <a:gd name="connsiteY31" fmla="*/ 5007429 h 5254172"/>
-                <a:gd name="connsiteX32" fmla="*/ 1944915 w 3962400"/>
-                <a:gd name="connsiteY32" fmla="*/ 4891315 h 5254172"/>
-                <a:gd name="connsiteX33" fmla="*/ 1872343 w 3962400"/>
-                <a:gd name="connsiteY33" fmla="*/ 4818743 h 5254172"/>
-                <a:gd name="connsiteX34" fmla="*/ 1190172 w 3962400"/>
-                <a:gd name="connsiteY34" fmla="*/ 4252686 h 5254172"/>
-                <a:gd name="connsiteX35" fmla="*/ 957943 w 3962400"/>
-                <a:gd name="connsiteY35" fmla="*/ 4136572 h 5254172"/>
-                <a:gd name="connsiteX36" fmla="*/ 769258 w 3962400"/>
-                <a:gd name="connsiteY36" fmla="*/ 4093029 h 5254172"/>
-                <a:gd name="connsiteX37" fmla="*/ 0 w 3962400"/>
-                <a:gd name="connsiteY37" fmla="*/ 3918858 h 5254172"/>
-                <a:gd name="connsiteX38" fmla="*/ 0 w 3962400"/>
-                <a:gd name="connsiteY38" fmla="*/ 3512458 h 5254172"/>
-                <a:gd name="connsiteX39" fmla="*/ 0 w 3962400"/>
-                <a:gd name="connsiteY39" fmla="*/ 3077029 h 5254172"/>
-                <a:gd name="connsiteX40" fmla="*/ 116115 w 3962400"/>
-                <a:gd name="connsiteY40" fmla="*/ 2989943 h 5254172"/>
-                <a:gd name="connsiteX41" fmla="*/ 159658 w 3962400"/>
-                <a:gd name="connsiteY41" fmla="*/ 2975429 h 5254172"/>
-                <a:gd name="connsiteX42" fmla="*/ 711200 w 3962400"/>
-                <a:gd name="connsiteY42" fmla="*/ 2786743 h 5254172"/>
-                <a:gd name="connsiteX0" fmla="*/ 711200 w 3962400"/>
-                <a:gd name="connsiteY0" fmla="*/ 2786743 h 5254172"/>
-                <a:gd name="connsiteX1" fmla="*/ 711200 w 3962400"/>
-                <a:gd name="connsiteY1" fmla="*/ 2786743 h 5254172"/>
-                <a:gd name="connsiteX2" fmla="*/ 812800 w 3962400"/>
-                <a:gd name="connsiteY2" fmla="*/ 2859315 h 5254172"/>
-                <a:gd name="connsiteX3" fmla="*/ 1436915 w 3962400"/>
-                <a:gd name="connsiteY3" fmla="*/ 3236686 h 5254172"/>
-                <a:gd name="connsiteX4" fmla="*/ 1451429 w 3962400"/>
-                <a:gd name="connsiteY4" fmla="*/ 3672115 h 5254172"/>
-                <a:gd name="connsiteX5" fmla="*/ 2017486 w 3962400"/>
-                <a:gd name="connsiteY5" fmla="*/ 3933372 h 5254172"/>
-                <a:gd name="connsiteX6" fmla="*/ 1944915 w 3962400"/>
-                <a:gd name="connsiteY6" fmla="*/ 4441372 h 5254172"/>
-                <a:gd name="connsiteX7" fmla="*/ 2293258 w 3962400"/>
-                <a:gd name="connsiteY7" fmla="*/ 5007429 h 5254172"/>
-                <a:gd name="connsiteX8" fmla="*/ 2873829 w 3962400"/>
-                <a:gd name="connsiteY8" fmla="*/ 5007429 h 5254172"/>
-                <a:gd name="connsiteX9" fmla="*/ 3831772 w 3962400"/>
-                <a:gd name="connsiteY9" fmla="*/ 4644572 h 5254172"/>
-                <a:gd name="connsiteX10" fmla="*/ 3831772 w 3962400"/>
-                <a:gd name="connsiteY10" fmla="*/ 4064000 h 5254172"/>
-                <a:gd name="connsiteX11" fmla="*/ 3338286 w 3962400"/>
-                <a:gd name="connsiteY11" fmla="*/ 3454400 h 5254172"/>
-                <a:gd name="connsiteX12" fmla="*/ 3338286 w 3962400"/>
-                <a:gd name="connsiteY12" fmla="*/ 3048000 h 5254172"/>
-                <a:gd name="connsiteX13" fmla="*/ 3556000 w 3962400"/>
-                <a:gd name="connsiteY13" fmla="*/ 1277258 h 5254172"/>
-                <a:gd name="connsiteX14" fmla="*/ 2801258 w 3962400"/>
-                <a:gd name="connsiteY14" fmla="*/ 1074058 h 5254172"/>
-                <a:gd name="connsiteX15" fmla="*/ 2656115 w 3962400"/>
-                <a:gd name="connsiteY15" fmla="*/ 1248229 h 5254172"/>
-                <a:gd name="connsiteX16" fmla="*/ 2656115 w 3962400"/>
-                <a:gd name="connsiteY16" fmla="*/ 1088572 h 5254172"/>
-                <a:gd name="connsiteX17" fmla="*/ 2583543 w 3962400"/>
-                <a:gd name="connsiteY17" fmla="*/ 914400 h 5254172"/>
-                <a:gd name="connsiteX18" fmla="*/ 2452915 w 3962400"/>
-                <a:gd name="connsiteY18" fmla="*/ 957943 h 5254172"/>
-                <a:gd name="connsiteX19" fmla="*/ 2264229 w 3962400"/>
-                <a:gd name="connsiteY19" fmla="*/ 856343 h 5254172"/>
-                <a:gd name="connsiteX20" fmla="*/ 2307772 w 3962400"/>
-                <a:gd name="connsiteY20" fmla="*/ 275772 h 5254172"/>
-                <a:gd name="connsiteX21" fmla="*/ 2394858 w 3962400"/>
-                <a:gd name="connsiteY21" fmla="*/ 0 h 5254172"/>
-                <a:gd name="connsiteX22" fmla="*/ 2743200 w 3962400"/>
-                <a:gd name="connsiteY22" fmla="*/ 29029 h 5254172"/>
-                <a:gd name="connsiteX23" fmla="*/ 3323772 w 3962400"/>
-                <a:gd name="connsiteY23" fmla="*/ 116115 h 5254172"/>
-                <a:gd name="connsiteX24" fmla="*/ 3628572 w 3962400"/>
-                <a:gd name="connsiteY24" fmla="*/ 1045029 h 5254172"/>
-                <a:gd name="connsiteX25" fmla="*/ 3643086 w 3962400"/>
-                <a:gd name="connsiteY25" fmla="*/ 1277258 h 5254172"/>
-                <a:gd name="connsiteX26" fmla="*/ 3730172 w 3962400"/>
-                <a:gd name="connsiteY26" fmla="*/ 2801258 h 5254172"/>
-                <a:gd name="connsiteX27" fmla="*/ 3947886 w 3962400"/>
-                <a:gd name="connsiteY27" fmla="*/ 3976915 h 5254172"/>
-                <a:gd name="connsiteX28" fmla="*/ 3962400 w 3962400"/>
-                <a:gd name="connsiteY28" fmla="*/ 4934858 h 5254172"/>
-                <a:gd name="connsiteX29" fmla="*/ 2830286 w 3962400"/>
-                <a:gd name="connsiteY29" fmla="*/ 5254172 h 5254172"/>
-                <a:gd name="connsiteX30" fmla="*/ 2685143 w 3962400"/>
-                <a:gd name="connsiteY30" fmla="*/ 5239658 h 5254172"/>
-                <a:gd name="connsiteX31" fmla="*/ 2017486 w 3962400"/>
-                <a:gd name="connsiteY31" fmla="*/ 5007429 h 5254172"/>
-                <a:gd name="connsiteX32" fmla="*/ 1944915 w 3962400"/>
-                <a:gd name="connsiteY32" fmla="*/ 4891315 h 5254172"/>
-                <a:gd name="connsiteX33" fmla="*/ 1872343 w 3962400"/>
-                <a:gd name="connsiteY33" fmla="*/ 4818743 h 5254172"/>
-                <a:gd name="connsiteX34" fmla="*/ 1190172 w 3962400"/>
-                <a:gd name="connsiteY34" fmla="*/ 4252686 h 5254172"/>
-                <a:gd name="connsiteX35" fmla="*/ 957943 w 3962400"/>
-                <a:gd name="connsiteY35" fmla="*/ 4136572 h 5254172"/>
-                <a:gd name="connsiteX36" fmla="*/ 769258 w 3962400"/>
-                <a:gd name="connsiteY36" fmla="*/ 4093029 h 5254172"/>
-                <a:gd name="connsiteX37" fmla="*/ 0 w 3962400"/>
-                <a:gd name="connsiteY37" fmla="*/ 3918858 h 5254172"/>
-                <a:gd name="connsiteX38" fmla="*/ 0 w 3962400"/>
-                <a:gd name="connsiteY38" fmla="*/ 3512458 h 5254172"/>
-                <a:gd name="connsiteX39" fmla="*/ 0 w 3962400"/>
-                <a:gd name="connsiteY39" fmla="*/ 3077029 h 5254172"/>
-                <a:gd name="connsiteX40" fmla="*/ 116115 w 3962400"/>
-                <a:gd name="connsiteY40" fmla="*/ 2989943 h 5254172"/>
-                <a:gd name="connsiteX41" fmla="*/ 159658 w 3962400"/>
-                <a:gd name="connsiteY41" fmla="*/ 2975429 h 5254172"/>
-                <a:gd name="connsiteX42" fmla="*/ 711200 w 3962400"/>
-                <a:gd name="connsiteY42" fmla="*/ 2786743 h 5254172"/>
-                <a:gd name="connsiteX0" fmla="*/ 711200 w 3962400"/>
-                <a:gd name="connsiteY0" fmla="*/ 2786743 h 5254172"/>
-                <a:gd name="connsiteX1" fmla="*/ 711200 w 3962400"/>
-                <a:gd name="connsiteY1" fmla="*/ 2786743 h 5254172"/>
-                <a:gd name="connsiteX2" fmla="*/ 812800 w 3962400"/>
-                <a:gd name="connsiteY2" fmla="*/ 2859315 h 5254172"/>
-                <a:gd name="connsiteX3" fmla="*/ 1436915 w 3962400"/>
-                <a:gd name="connsiteY3" fmla="*/ 3236686 h 5254172"/>
-                <a:gd name="connsiteX4" fmla="*/ 1451429 w 3962400"/>
-                <a:gd name="connsiteY4" fmla="*/ 3672115 h 5254172"/>
-                <a:gd name="connsiteX5" fmla="*/ 1944915 w 3962400"/>
-                <a:gd name="connsiteY5" fmla="*/ 3817258 h 5254172"/>
-                <a:gd name="connsiteX6" fmla="*/ 1944915 w 3962400"/>
-                <a:gd name="connsiteY6" fmla="*/ 4441372 h 5254172"/>
-                <a:gd name="connsiteX7" fmla="*/ 2293258 w 3962400"/>
-                <a:gd name="connsiteY7" fmla="*/ 5007429 h 5254172"/>
-                <a:gd name="connsiteX8" fmla="*/ 2873829 w 3962400"/>
-                <a:gd name="connsiteY8" fmla="*/ 5007429 h 5254172"/>
-                <a:gd name="connsiteX9" fmla="*/ 3831772 w 3962400"/>
-                <a:gd name="connsiteY9" fmla="*/ 4644572 h 5254172"/>
-                <a:gd name="connsiteX10" fmla="*/ 3831772 w 3962400"/>
-                <a:gd name="connsiteY10" fmla="*/ 4064000 h 5254172"/>
-                <a:gd name="connsiteX11" fmla="*/ 3338286 w 3962400"/>
-                <a:gd name="connsiteY11" fmla="*/ 3454400 h 5254172"/>
-                <a:gd name="connsiteX12" fmla="*/ 3338286 w 3962400"/>
-                <a:gd name="connsiteY12" fmla="*/ 3048000 h 5254172"/>
-                <a:gd name="connsiteX13" fmla="*/ 3556000 w 3962400"/>
-                <a:gd name="connsiteY13" fmla="*/ 1277258 h 5254172"/>
-                <a:gd name="connsiteX14" fmla="*/ 2801258 w 3962400"/>
-                <a:gd name="connsiteY14" fmla="*/ 1074058 h 5254172"/>
-                <a:gd name="connsiteX15" fmla="*/ 2656115 w 3962400"/>
-                <a:gd name="connsiteY15" fmla="*/ 1248229 h 5254172"/>
-                <a:gd name="connsiteX16" fmla="*/ 2656115 w 3962400"/>
-                <a:gd name="connsiteY16" fmla="*/ 1088572 h 5254172"/>
-                <a:gd name="connsiteX17" fmla="*/ 2583543 w 3962400"/>
-                <a:gd name="connsiteY17" fmla="*/ 914400 h 5254172"/>
-                <a:gd name="connsiteX18" fmla="*/ 2452915 w 3962400"/>
-                <a:gd name="connsiteY18" fmla="*/ 957943 h 5254172"/>
-                <a:gd name="connsiteX19" fmla="*/ 2264229 w 3962400"/>
-                <a:gd name="connsiteY19" fmla="*/ 856343 h 5254172"/>
-                <a:gd name="connsiteX20" fmla="*/ 2307772 w 3962400"/>
-                <a:gd name="connsiteY20" fmla="*/ 275772 h 5254172"/>
-                <a:gd name="connsiteX21" fmla="*/ 2394858 w 3962400"/>
-                <a:gd name="connsiteY21" fmla="*/ 0 h 5254172"/>
-                <a:gd name="connsiteX22" fmla="*/ 2743200 w 3962400"/>
-                <a:gd name="connsiteY22" fmla="*/ 29029 h 5254172"/>
-                <a:gd name="connsiteX23" fmla="*/ 3323772 w 3962400"/>
-                <a:gd name="connsiteY23" fmla="*/ 116115 h 5254172"/>
-                <a:gd name="connsiteX24" fmla="*/ 3628572 w 3962400"/>
-                <a:gd name="connsiteY24" fmla="*/ 1045029 h 5254172"/>
-                <a:gd name="connsiteX25" fmla="*/ 3643086 w 3962400"/>
-                <a:gd name="connsiteY25" fmla="*/ 1277258 h 5254172"/>
-                <a:gd name="connsiteX26" fmla="*/ 3730172 w 3962400"/>
-                <a:gd name="connsiteY26" fmla="*/ 2801258 h 5254172"/>
-                <a:gd name="connsiteX27" fmla="*/ 3947886 w 3962400"/>
-                <a:gd name="connsiteY27" fmla="*/ 3976915 h 5254172"/>
-                <a:gd name="connsiteX28" fmla="*/ 3962400 w 3962400"/>
-                <a:gd name="connsiteY28" fmla="*/ 4934858 h 5254172"/>
-                <a:gd name="connsiteX29" fmla="*/ 2830286 w 3962400"/>
-                <a:gd name="connsiteY29" fmla="*/ 5254172 h 5254172"/>
-                <a:gd name="connsiteX30" fmla="*/ 2685143 w 3962400"/>
-                <a:gd name="connsiteY30" fmla="*/ 5239658 h 5254172"/>
-                <a:gd name="connsiteX31" fmla="*/ 2017486 w 3962400"/>
-                <a:gd name="connsiteY31" fmla="*/ 5007429 h 5254172"/>
-                <a:gd name="connsiteX32" fmla="*/ 1944915 w 3962400"/>
-                <a:gd name="connsiteY32" fmla="*/ 4891315 h 5254172"/>
-                <a:gd name="connsiteX33" fmla="*/ 1872343 w 3962400"/>
-                <a:gd name="connsiteY33" fmla="*/ 4818743 h 5254172"/>
-                <a:gd name="connsiteX34" fmla="*/ 1190172 w 3962400"/>
-                <a:gd name="connsiteY34" fmla="*/ 4252686 h 5254172"/>
-                <a:gd name="connsiteX35" fmla="*/ 957943 w 3962400"/>
-                <a:gd name="connsiteY35" fmla="*/ 4136572 h 5254172"/>
-                <a:gd name="connsiteX36" fmla="*/ 769258 w 3962400"/>
-                <a:gd name="connsiteY36" fmla="*/ 4093029 h 5254172"/>
-                <a:gd name="connsiteX37" fmla="*/ 0 w 3962400"/>
-                <a:gd name="connsiteY37" fmla="*/ 3918858 h 5254172"/>
-                <a:gd name="connsiteX38" fmla="*/ 0 w 3962400"/>
-                <a:gd name="connsiteY38" fmla="*/ 3512458 h 5254172"/>
-                <a:gd name="connsiteX39" fmla="*/ 0 w 3962400"/>
-                <a:gd name="connsiteY39" fmla="*/ 3077029 h 5254172"/>
-                <a:gd name="connsiteX40" fmla="*/ 116115 w 3962400"/>
-                <a:gd name="connsiteY40" fmla="*/ 2989943 h 5254172"/>
-                <a:gd name="connsiteX41" fmla="*/ 159658 w 3962400"/>
-                <a:gd name="connsiteY41" fmla="*/ 2975429 h 5254172"/>
-                <a:gd name="connsiteX42" fmla="*/ 711200 w 3962400"/>
-                <a:gd name="connsiteY42" fmla="*/ 2786743 h 5254172"/>
-              </a:gdLst>
-              <a:ahLst/>
-              <a:cxnLst>
-                <a:cxn ang="0">
-                  <a:pos x="connsiteX0" y="connsiteY0"/>
-                </a:cxn>
-                <a:cxn ang="0">
-                  <a:pos x="connsiteX1" y="connsiteY1"/>
-                </a:cxn>
-                <a:cxn ang="0">
-                  <a:pos x="connsiteX2" y="connsiteY2"/>
-                </a:cxn>
-                <a:cxn ang="0">
-                  <a:pos x="connsiteX3" y="connsiteY3"/>
-                </a:cxn>
-                <a:cxn ang="0">
-                  <a:pos x="connsiteX4" y="connsiteY4"/>
-                </a:cxn>
-                <a:cxn ang="0">
-                  <a:pos x="connsiteX5" y="connsiteY5"/>
-                </a:cxn>
-                <a:cxn ang="0">
-                  <a:pos x="connsiteX6" y="connsiteY6"/>
-                </a:cxn>
-                <a:cxn ang="0">
-                  <a:pos x="connsiteX7" y="connsiteY7"/>
-                </a:cxn>
-                <a:cxn ang="0">
-                  <a:pos x="connsiteX8" y="connsiteY8"/>
-                </a:cxn>
-                <a:cxn ang="0">
-                  <a:pos x="connsiteX9" y="connsiteY9"/>
-                </a:cxn>
-                <a:cxn ang="0">
-                  <a:pos x="connsiteX10" y="connsiteY10"/>
-                </a:cxn>
-                <a:cxn ang="0">
-                  <a:pos x="connsiteX11" y="connsiteY11"/>
-                </a:cxn>
-                <a:cxn ang="0">
-                  <a:pos x="connsiteX12" y="connsiteY12"/>
-                </a:cxn>
-                <a:cxn ang="0">
-                  <a:pos x="connsiteX13" y="connsiteY13"/>
-                </a:cxn>
-                <a:cxn ang="0">
-                  <a:pos x="connsiteX14" y="connsiteY14"/>
-                </a:cxn>
-                <a:cxn ang="0">
-                  <a:pos x="connsiteX15" y="connsiteY15"/>
-                </a:cxn>
-                <a:cxn ang="0">
-                  <a:pos x="connsiteX16" y="connsiteY16"/>
-                </a:cxn>
-                <a:cxn ang="0">
-                  <a:pos x="connsiteX17" y="connsiteY17"/>
-                </a:cxn>
-                <a:cxn ang="0">
-                  <a:pos x="connsiteX18" y="connsiteY18"/>
-                </a:cxn>
-                <a:cxn ang="0">
-                  <a:pos x="connsiteX19" y="connsiteY19"/>
-                </a:cxn>
-                <a:cxn ang="0">
-                  <a:pos x="connsiteX20" y="connsiteY20"/>
-                </a:cxn>
-                <a:cxn ang="0">
-                  <a:pos x="connsiteX21" y="connsiteY21"/>
-                </a:cxn>
-                <a:cxn ang="0">
-                  <a:pos x="connsiteX22" y="connsiteY22"/>
-                </a:cxn>
-                <a:cxn ang="0">
-                  <a:pos x="connsiteX23" y="connsiteY23"/>
-                </a:cxn>
-                <a:cxn ang="0">
-                  <a:pos x="connsiteX24" y="connsiteY24"/>
-                </a:cxn>
-                <a:cxn ang="0">
-                  <a:pos x="connsiteX25" y="connsiteY25"/>
-                </a:cxn>
-                <a:cxn ang="0">
-                  <a:pos x="connsiteX26" y="connsiteY26"/>
-                </a:cxn>
-                <a:cxn ang="0">
-                  <a:pos x="connsiteX27" y="connsiteY27"/>
-                </a:cxn>
-                <a:cxn ang="0">
-                  <a:pos x="connsiteX28" y="connsiteY28"/>
-                </a:cxn>
-                <a:cxn ang="0">
-                  <a:pos x="connsiteX29" y="connsiteY29"/>
-                </a:cxn>
-                <a:cxn ang="0">
-                  <a:pos x="connsiteX30" y="connsiteY30"/>
-                </a:cxn>
-                <a:cxn ang="0">
-                  <a:pos x="connsiteX31" y="connsiteY31"/>
-                </a:cxn>
-                <a:cxn ang="0">
-                  <a:pos x="connsiteX32" y="connsiteY32"/>
-                </a:cxn>
-                <a:cxn ang="0">
-                  <a:pos x="connsiteX33" y="connsiteY33"/>
-                </a:cxn>
-                <a:cxn ang="0">
-                  <a:pos x="connsiteX34" y="connsiteY34"/>
-                </a:cxn>
-                <a:cxn ang="0">
-                  <a:pos x="connsiteX35" y="connsiteY35"/>
-                </a:cxn>
-                <a:cxn ang="0">
-                  <a:pos x="connsiteX36" y="connsiteY36"/>
-                </a:cxn>
-                <a:cxn ang="0">
-                  <a:pos x="connsiteX37" y="connsiteY37"/>
-                </a:cxn>
-                <a:cxn ang="0">
-                  <a:pos x="connsiteX38" y="connsiteY38"/>
-                </a:cxn>
-                <a:cxn ang="0">
-                  <a:pos x="connsiteX39" y="connsiteY39"/>
-                </a:cxn>
-                <a:cxn ang="0">
-                  <a:pos x="connsiteX40" y="connsiteY40"/>
-                </a:cxn>
-                <a:cxn ang="0">
-                  <a:pos x="connsiteX41" y="connsiteY41"/>
-                </a:cxn>
-                <a:cxn ang="0">
-                  <a:pos x="connsiteX42" y="connsiteY42"/>
-                </a:cxn>
-              </a:cxnLst>
-              <a:rect l="l" t="t" r="r" b="b"/>
-              <a:pathLst>
-                <a:path w="3962400" h="5254172">
-                  <a:moveTo>
-                    <a:pt x="711200" y="2786743"/>
-                  </a:moveTo>
-                  <a:lnTo>
-                    <a:pt x="711200" y="2786743"/>
-                  </a:lnTo>
-                  <a:lnTo>
-                    <a:pt x="812800" y="2859315"/>
-                  </a:lnTo>
-                  <a:lnTo>
-                    <a:pt x="1436915" y="3236686"/>
-                  </a:lnTo>
-                  <a:lnTo>
-                    <a:pt x="1451429" y="3672115"/>
-                  </a:lnTo>
-                  <a:lnTo>
-                    <a:pt x="1944915" y="3817258"/>
-                  </a:lnTo>
-                  <a:lnTo>
-                    <a:pt x="1944915" y="4441372"/>
-                  </a:lnTo>
-                  <a:lnTo>
-                    <a:pt x="2293258" y="5007429"/>
-                  </a:lnTo>
-                  <a:lnTo>
-                    <a:pt x="2873829" y="5007429"/>
-                  </a:lnTo>
-                  <a:lnTo>
-                    <a:pt x="3831772" y="4644572"/>
-                  </a:lnTo>
-                  <a:lnTo>
-                    <a:pt x="3831772" y="4064000"/>
-                  </a:lnTo>
-                  <a:lnTo>
-                    <a:pt x="3338286" y="3454400"/>
-                  </a:lnTo>
-                  <a:lnTo>
-                    <a:pt x="3338286" y="3048000"/>
-                  </a:lnTo>
-                  <a:lnTo>
-                    <a:pt x="3556000" y="1277258"/>
-                  </a:lnTo>
-                  <a:lnTo>
-                    <a:pt x="2801258" y="1074058"/>
-                  </a:lnTo>
-                  <a:lnTo>
-                    <a:pt x="2656115" y="1248229"/>
-                  </a:lnTo>
-                  <a:lnTo>
-                    <a:pt x="2656115" y="1088572"/>
-                  </a:lnTo>
-                  <a:lnTo>
-                    <a:pt x="2583543" y="914400"/>
-                  </a:lnTo>
-                  <a:lnTo>
-                    <a:pt x="2452915" y="957943"/>
-                  </a:lnTo>
-                  <a:lnTo>
-                    <a:pt x="2264229" y="856343"/>
-                  </a:lnTo>
-                  <a:lnTo>
-                    <a:pt x="2307772" y="275772"/>
-                  </a:lnTo>
-                  <a:lnTo>
-                    <a:pt x="2394858" y="0"/>
-                  </a:lnTo>
-                  <a:cubicBezTo>
-                    <a:pt x="2684966" y="32235"/>
-                    <a:pt x="2568493" y="29029"/>
-                    <a:pt x="2743200" y="29029"/>
-                  </a:cubicBezTo>
-                  <a:lnTo>
-                    <a:pt x="3323772" y="116115"/>
-                  </a:lnTo>
-                  <a:lnTo>
-                    <a:pt x="3628572" y="1045029"/>
-                  </a:lnTo>
-                  <a:cubicBezTo>
-                    <a:pt x="3644693" y="1238486"/>
-                    <a:pt x="3643086" y="1160942"/>
-                    <a:pt x="3643086" y="1277258"/>
-                  </a:cubicBezTo>
-                  <a:lnTo>
-                    <a:pt x="3730172" y="2801258"/>
-                  </a:lnTo>
-                  <a:lnTo>
-                    <a:pt x="3947886" y="3976915"/>
-                  </a:lnTo>
-                  <a:lnTo>
-                    <a:pt x="3962400" y="4934858"/>
-                  </a:lnTo>
-                  <a:lnTo>
-                    <a:pt x="2830286" y="5254172"/>
-                  </a:lnTo>
-                  <a:lnTo>
-                    <a:pt x="2685143" y="5239658"/>
-                  </a:lnTo>
-                  <a:lnTo>
-                    <a:pt x="2017486" y="5007429"/>
-                  </a:lnTo>
-                  <a:cubicBezTo>
-                    <a:pt x="1993296" y="4968724"/>
-                    <a:pt x="1972744" y="4927492"/>
-                    <a:pt x="1944915" y="4891315"/>
-                  </a:cubicBezTo>
-                  <a:cubicBezTo>
-                    <a:pt x="1924056" y="4864199"/>
-                    <a:pt x="1872343" y="4818743"/>
-                    <a:pt x="1872343" y="4818743"/>
-                  </a:cubicBezTo>
-                  <a:lnTo>
-                    <a:pt x="1190172" y="4252686"/>
-                  </a:lnTo>
-                  <a:cubicBezTo>
-                    <a:pt x="1112762" y="4213981"/>
-                    <a:pt x="1038864" y="4167266"/>
-                    <a:pt x="957943" y="4136572"/>
-                  </a:cubicBezTo>
-                  <a:cubicBezTo>
-                    <a:pt x="897591" y="4113680"/>
-                    <a:pt x="769258" y="4093029"/>
-                    <a:pt x="769258" y="4093029"/>
-                  </a:cubicBezTo>
-                  <a:lnTo>
-                    <a:pt x="0" y="3918858"/>
-                  </a:lnTo>
-                  <a:lnTo>
-                    <a:pt x="0" y="3512458"/>
-                  </a:lnTo>
-                  <a:lnTo>
-                    <a:pt x="0" y="3077029"/>
-                  </a:lnTo>
-                  <a:cubicBezTo>
-                    <a:pt x="38705" y="3048000"/>
-                    <a:pt x="75298" y="3015918"/>
-                    <a:pt x="116115" y="2989943"/>
-                  </a:cubicBezTo>
-                  <a:cubicBezTo>
-                    <a:pt x="129023" y="2981729"/>
-                    <a:pt x="159658" y="2975429"/>
-                    <a:pt x="159658" y="2975429"/>
-                  </a:cubicBezTo>
-                  <a:lnTo>
-                    <a:pt x="711200" y="2786743"/>
-                  </a:lnTo>
-                  <a:close/>
-                </a:path>
-              </a:pathLst>
-            </a:custGeom>
-            <a:solidFill>
-              <a:schemeClr val="bg1"/>
-            </a:solidFill>
-            <a:ln>
-              <a:noFill/>
-            </a:ln>
-          </p:spPr>
-          <p:style>
-            <a:lnRef idx="2">
-              <a:schemeClr val="accent1">
-                <a:shade val="50000"/>
-              </a:schemeClr>
-            </a:lnRef>
-            <a:fillRef idx="1">
-              <a:schemeClr val="accent1"/>
-            </a:fillRef>
-            <a:effectRef idx="0">
-              <a:schemeClr val="accent1"/>
-            </a:effectRef>
-            <a:fontRef idx="minor">
-              <a:schemeClr val="lt1"/>
-            </a:fontRef>
-          </p:style>
-          <p:txBody>
-            <a:bodyPr rtlCol="0" anchor="ctr"/>
-            <a:lstStyle/>
-            <a:p>
-              <a:pPr algn="ctr"/>
-              <a:endParaRPr lang="en-GB"/>
-            </a:p>
-          </p:txBody>
-        </p:sp>
-      </p:grpSp>
-      <p:sp>
-        <p:nvSpPr>
-          <p:cNvPr id="19" name="Oval 18">
-            <a:extLst>
-              <a:ext uri="{FF2B5EF4-FFF2-40B4-BE49-F238E27FC236}">
-                <a16:creationId xmlns:a16="http://schemas.microsoft.com/office/drawing/2014/main" id="{299336E6-0F1B-4EF8-A43B-EB02B6080D2C}"/>
-              </a:ext>
-            </a:extLst>
-          </p:cNvPr>
-          <p:cNvSpPr/>
-          <p:nvPr/>
-        </p:nvSpPr>
-        <p:spPr>
-          <a:xfrm>
-            <a:off x="7655826" y="4894866"/>
-            <a:ext cx="372982" cy="372982"/>
-          </a:xfrm>
-          <a:prstGeom prst="ellipse">
-            <a:avLst/>
-          </a:prstGeom>
-          <a:solidFill>
-            <a:schemeClr val="accent2">
-              <a:lumMod val="60000"/>
-              <a:lumOff val="40000"/>
-            </a:schemeClr>
-          </a:solidFill>
-          <a:ln>
-            <a:solidFill>
-              <a:schemeClr val="tx1"/>
-            </a:solidFill>
-            <a:prstDash val="dash"/>
-          </a:ln>
-        </p:spPr>
-        <p:style>
-          <a:lnRef idx="2">
-            <a:schemeClr val="accent1">
-              <a:shade val="50000"/>
-            </a:schemeClr>
-          </a:lnRef>
-          <a:fillRef idx="1">
-            <a:schemeClr val="accent1"/>
-          </a:fillRef>
-          <a:effectRef idx="0">
-            <a:schemeClr val="accent1"/>
-          </a:effectRef>
-          <a:fontRef idx="minor">
-            <a:schemeClr val="lt1"/>
-          </a:fontRef>
-        </p:style>
-        <p:txBody>
-          <a:bodyPr rtlCol="0" anchor="ctr"/>
-          <a:lstStyle/>
-          <a:p>
-            <a:pPr algn="ctr"/>
-            <a:endParaRPr lang="en-GB"/>
-          </a:p>
-        </p:txBody>
-      </p:sp>
-      <p:cxnSp>
-        <p:nvCxnSpPr>
-          <p:cNvPr id="12" name="Straight Arrow Connector 11">
-            <a:extLst>
-              <a:ext uri="{FF2B5EF4-FFF2-40B4-BE49-F238E27FC236}">
-                <a16:creationId xmlns:a16="http://schemas.microsoft.com/office/drawing/2014/main" id="{FD91B696-53C1-4A0E-AC27-23DFCC2FB236}"/>
-              </a:ext>
-            </a:extLst>
-          </p:cNvPr>
-          <p:cNvCxnSpPr>
-            <a:cxnSpLocks/>
-          </p:cNvCxnSpPr>
-          <p:nvPr/>
-        </p:nvCxnSpPr>
-        <p:spPr>
-          <a:xfrm flipV="1">
-            <a:off x="7331857" y="5565118"/>
-            <a:ext cx="228344" cy="420089"/>
-          </a:xfrm>
-          <a:prstGeom prst="straightConnector1">
-            <a:avLst/>
-          </a:prstGeom>
-          <a:ln w="28575">
-            <a:solidFill>
-              <a:schemeClr val="tx1">
-                <a:lumMod val="50000"/>
-                <a:lumOff val="50000"/>
-              </a:schemeClr>
-            </a:solidFill>
-            <a:headEnd type="none"/>
-            <a:tailEnd type="arrow"/>
-          </a:ln>
-        </p:spPr>
-        <p:style>
-          <a:lnRef idx="1">
-            <a:schemeClr val="accent1"/>
-          </a:lnRef>
-          <a:fillRef idx="0">
-            <a:schemeClr val="accent1"/>
-          </a:fillRef>
-          <a:effectRef idx="0">
-            <a:schemeClr val="accent1"/>
-          </a:effectRef>
-          <a:fontRef idx="minor">
-            <a:schemeClr val="tx1"/>
-          </a:fontRef>
-        </p:style>
-      </p:cxnSp>
-      <p:cxnSp>
-        <p:nvCxnSpPr>
-          <p:cNvPr id="13" name="Straight Arrow Connector 12">
-            <a:extLst>
-              <a:ext uri="{FF2B5EF4-FFF2-40B4-BE49-F238E27FC236}">
-                <a16:creationId xmlns:a16="http://schemas.microsoft.com/office/drawing/2014/main" id="{3CECCB48-CF1E-462B-9508-E553443C2417}"/>
-              </a:ext>
-            </a:extLst>
-          </p:cNvPr>
-          <p:cNvCxnSpPr>
-            <a:cxnSpLocks/>
-          </p:cNvCxnSpPr>
-          <p:nvPr/>
-        </p:nvCxnSpPr>
-        <p:spPr>
-          <a:xfrm flipV="1">
-            <a:off x="8146504" y="4068827"/>
-            <a:ext cx="228344" cy="420089"/>
-          </a:xfrm>
-          <a:prstGeom prst="straightConnector1">
-            <a:avLst/>
-          </a:prstGeom>
-          <a:ln w="28575">
-            <a:solidFill>
-              <a:schemeClr val="tx1">
-                <a:lumMod val="50000"/>
-                <a:lumOff val="50000"/>
-              </a:schemeClr>
-            </a:solidFill>
-            <a:headEnd type="arrow"/>
-            <a:tailEnd type="none"/>
-          </a:ln>
-        </p:spPr>
-        <p:style>
-          <a:lnRef idx="1">
-            <a:schemeClr val="accent1"/>
-          </a:lnRef>
-          <a:fillRef idx="0">
-            <a:schemeClr val="accent1"/>
-          </a:fillRef>
-          <a:effectRef idx="0">
-            <a:schemeClr val="accent1"/>
-          </a:effectRef>
-          <a:fontRef idx="minor">
-            <a:schemeClr val="tx1"/>
-          </a:fontRef>
-        </p:style>
-      </p:cxnSp>
-      <p:sp>
-        <p:nvSpPr>
-          <p:cNvPr id="14" name="TextBox 13">
-            <a:extLst>
-              <a:ext uri="{FF2B5EF4-FFF2-40B4-BE49-F238E27FC236}">
-                <a16:creationId xmlns:a16="http://schemas.microsoft.com/office/drawing/2014/main" id="{2A3EEFE7-94FD-4654-A0CC-2B50D5EA50CE}"/>
-              </a:ext>
-            </a:extLst>
-          </p:cNvPr>
-          <p:cNvSpPr txBox="1"/>
-          <p:nvPr/>
-        </p:nvSpPr>
-        <p:spPr>
-          <a:xfrm>
-            <a:off x="1536700" y="8196451"/>
-            <a:ext cx="7726362" cy="1754326"/>
-          </a:xfrm>
-          <a:prstGeom prst="rect">
-            <a:avLst/>
-          </a:prstGeom>
-          <a:noFill/>
-        </p:spPr>
-        <p:txBody>
-          <a:bodyPr wrap="square" rtlCol="0">
-            <a:spAutoFit/>
-          </a:bodyPr>
-          <a:lstStyle/>
-          <a:p>
-            <a:pPr algn="ctr"/>
-            <a:r>
-              <a:rPr lang="en-GB" sz="3600" b="1" dirty="0"/>
-              <a:t>TO CORRECT IT TOUCH OUTISDE THE CANVAS IN THE SCREEN TO ADJUST SCREEN SIZE</a:t>
-            </a:r>
-          </a:p>
-        </p:txBody>
-      </p:sp>
-    </p:spTree>
-    <p:extLst>
-      <p:ext uri="{BB962C8B-B14F-4D97-AF65-F5344CB8AC3E}">
-        <p14:creationId xmlns:p14="http://schemas.microsoft.com/office/powerpoint/2010/main" val="4132933540"/>
-      </p:ext>
-    </p:extLst>
-  </p:cSld>
-  <p:clrMapOvr>
-    <a:masterClrMapping/>
-  </p:clrMapOvr>
-  <mc:AlternateContent xmlns:mc="http://schemas.openxmlformats.org/markup-compatibility/2006" xmlns:p14="http://schemas.microsoft.com/office/powerpoint/2010/main">
-    <mc:Choice Requires="p14">
-      <p:transition spd="med" p14:dur="700" advTm="1500">
-        <p:fade/>
-      </p:transition>
-    </mc:Choice>
-    <mc:Fallback xmlns="">
-      <p:transition spd="med" advTm="1500">
-        <p:fade/>
-      </p:transition>
-    </mc:Fallback>
-  </mc:AlternateContent>
-</p:sld>
-</file>
-
-<file path=ppt/slides/slide9.xml><?xml version="1.0" encoding="utf-8"?>
-<p:sld xmlns:a="http://schemas.openxmlformats.org/drawingml/2006/main" xmlns:r="http://schemas.openxmlformats.org/officeDocument/2006/relationships" xmlns:p="http://schemas.openxmlformats.org/presentationml/2006/main">
-  <p:cSld>
-    <p:spTree>
-      <p:nvGrpSpPr>
-        <p:cNvPr id="1" name=""/>
-        <p:cNvGrpSpPr/>
-        <p:nvPr/>
-      </p:nvGrpSpPr>
-      <p:grpSpPr>
-        <a:xfrm>
-          <a:off x="0" y="0"/>
-          <a:ext cx="0" cy="0"/>
-          <a:chOff x="0" y="0"/>
-          <a:chExt cx="0" cy="0"/>
-        </a:xfrm>
-      </p:grpSpPr>
-      <p:sp>
-        <p:nvSpPr>
-          <p:cNvPr id="2" name="TextBox 1">
-            <a:extLst>
-              <a:ext uri="{FF2B5EF4-FFF2-40B4-BE49-F238E27FC236}">
-                <a16:creationId xmlns:a16="http://schemas.microsoft.com/office/drawing/2014/main" id="{9A2398D8-8FD5-4202-ABF5-59234FFBFB82}"/>
-              </a:ext>
-            </a:extLst>
-          </p:cNvPr>
-          <p:cNvSpPr txBox="1"/>
-          <p:nvPr/>
-        </p:nvSpPr>
-        <p:spPr>
-          <a:xfrm>
-            <a:off x="1536700" y="8196451"/>
-            <a:ext cx="7726362" cy="1200329"/>
-          </a:xfrm>
-          <a:prstGeom prst="rect">
-            <a:avLst/>
-          </a:prstGeom>
-          <a:noFill/>
-        </p:spPr>
-        <p:txBody>
-          <a:bodyPr wrap="square" rtlCol="0">
-            <a:spAutoFit/>
-          </a:bodyPr>
-          <a:lstStyle/>
-          <a:p>
-            <a:pPr algn="ctr"/>
-            <a:r>
-              <a:rPr lang="en-GB" sz="3600" b="1" dirty="0"/>
-              <a:t>OR CLICK “CONTROL + SCROLL” IF YOU ARE USING A MOUSE</a:t>
-            </a:r>
-          </a:p>
-        </p:txBody>
-      </p:sp>
-      <p:pic>
-        <p:nvPicPr>
-          <p:cNvPr id="9" name="Picture 8">
-            <a:extLst>
-              <a:ext uri="{FF2B5EF4-FFF2-40B4-BE49-F238E27FC236}">
-                <a16:creationId xmlns:a16="http://schemas.microsoft.com/office/drawing/2014/main" id="{91808747-4CE8-41E6-AE28-732B5347A586}"/>
-              </a:ext>
-            </a:extLst>
-          </p:cNvPr>
-          <p:cNvPicPr>
-            <a:picLocks noChangeAspect="1"/>
-          </p:cNvPicPr>
-          <p:nvPr/>
-        </p:nvPicPr>
-        <p:blipFill rotWithShape="1">
-          <a:blip r:embed="rId2"/>
-          <a:srcRect l="57657" t="18840" r="25735" b="29330"/>
-          <a:stretch/>
-        </p:blipFill>
-        <p:spPr>
-          <a:xfrm>
-            <a:off x="3813846" y="1384094"/>
-            <a:ext cx="3172070" cy="3175462"/>
-          </a:xfrm>
-          <a:prstGeom prst="rect">
-            <a:avLst/>
-          </a:prstGeom>
-        </p:spPr>
-      </p:pic>
-      <p:pic>
-        <p:nvPicPr>
-          <p:cNvPr id="10" name="Picture 9">
-            <a:extLst>
-              <a:ext uri="{FF2B5EF4-FFF2-40B4-BE49-F238E27FC236}">
-                <a16:creationId xmlns:a16="http://schemas.microsoft.com/office/drawing/2014/main" id="{6038CE9E-E9AF-42FD-B1B0-807AD7795374}"/>
-              </a:ext>
-            </a:extLst>
-          </p:cNvPr>
-          <p:cNvPicPr>
-            <a:picLocks noChangeAspect="1"/>
-          </p:cNvPicPr>
-          <p:nvPr/>
-        </p:nvPicPr>
-        <p:blipFill rotWithShape="1">
-          <a:blip r:embed="rId2"/>
-          <a:srcRect l="74360" t="18840" r="9032" b="29330"/>
-          <a:stretch/>
-        </p:blipFill>
-        <p:spPr>
-          <a:xfrm>
-            <a:off x="3813846" y="4713367"/>
-            <a:ext cx="3172070" cy="3175462"/>
-          </a:xfrm>
-          <a:prstGeom prst="rect">
-            <a:avLst/>
-          </a:prstGeom>
-        </p:spPr>
-      </p:pic>
-      <p:pic>
-        <p:nvPicPr>
-          <p:cNvPr id="11" name="Picture 10">
-            <a:extLst>
-              <a:ext uri="{FF2B5EF4-FFF2-40B4-BE49-F238E27FC236}">
-                <a16:creationId xmlns:a16="http://schemas.microsoft.com/office/drawing/2014/main" id="{286ED84C-73B7-4A02-835B-EEFF7E3FC550}"/>
-              </a:ext>
-            </a:extLst>
-          </p:cNvPr>
-          <p:cNvPicPr>
-            <a:picLocks noChangeAspect="1"/>
-          </p:cNvPicPr>
-          <p:nvPr/>
-        </p:nvPicPr>
-        <p:blipFill rotWithShape="1">
-          <a:blip r:embed="rId2"/>
-          <a:srcRect l="57438" t="12191" r="9033" b="81025"/>
-          <a:stretch/>
-        </p:blipFill>
-        <p:spPr>
-          <a:xfrm>
-            <a:off x="2197868" y="814647"/>
-            <a:ext cx="6404025" cy="415636"/>
-          </a:xfrm>
-          <a:prstGeom prst="rect">
-            <a:avLst/>
-          </a:prstGeom>
-        </p:spPr>
-      </p:pic>
-      <p:pic>
-        <p:nvPicPr>
-          <p:cNvPr id="2050" name="Picture 2" descr="Mouse Click Vector">
-            <a:extLst>
-              <a:ext uri="{FF2B5EF4-FFF2-40B4-BE49-F238E27FC236}">
-                <a16:creationId xmlns:a16="http://schemas.microsoft.com/office/drawing/2014/main" id="{5AD4A0D3-41CB-4F4E-A783-F8402DED5993}"/>
-              </a:ext>
-            </a:extLst>
-          </p:cNvPr>
-          <p:cNvPicPr>
-            <a:picLocks noChangeAspect="1" noChangeArrowheads="1"/>
-          </p:cNvPicPr>
-          <p:nvPr/>
-        </p:nvPicPr>
-        <p:blipFill rotWithShape="1">
-          <a:blip r:embed="rId3">
-            <a:extLst>
-              <a:ext uri="{28A0092B-C50C-407E-A947-70E740481C1C}">
-                <a14:useLocalDpi xmlns:a14="http://schemas.microsoft.com/office/drawing/2010/main" val="0"/>
-              </a:ext>
-            </a:extLst>
-          </a:blip>
-          <a:srcRect l="61224" t="50506" r="22405" b="15475"/>
-          <a:stretch/>
-        </p:blipFill>
-        <p:spPr bwMode="auto">
-          <a:xfrm>
-            <a:off x="9263062" y="6261208"/>
-            <a:ext cx="1091529" cy="1587731"/>
-          </a:xfrm>
-          <a:prstGeom prst="rect">
-            <a:avLst/>
-          </a:prstGeom>
-          <a:noFill/>
-          <a:extLst>
-            <a:ext uri="{909E8E84-426E-40DD-AFC4-6F175D3DCCD1}">
-              <a14:hiddenFill xmlns:a14="http://schemas.microsoft.com/office/drawing/2010/main">
-                <a:solidFill>
-                  <a:srgbClr val="FFFFFF"/>
-                </a:solidFill>
-              </a14:hiddenFill>
-            </a:ext>
-          </a:extLst>
-        </p:spPr>
-      </p:pic>
-      <p:pic>
-        <p:nvPicPr>
-          <p:cNvPr id="2052" name="Picture 4" descr="Image result for ctrl key clipart">
-            <a:extLst>
-              <a:ext uri="{FF2B5EF4-FFF2-40B4-BE49-F238E27FC236}">
-                <a16:creationId xmlns:a16="http://schemas.microsoft.com/office/drawing/2014/main" id="{654C77AD-6E7E-4119-A4F2-CC8DC8E694ED}"/>
-              </a:ext>
-            </a:extLst>
-          </p:cNvPr>
-          <p:cNvPicPr>
-            <a:picLocks noChangeAspect="1" noChangeArrowheads="1"/>
-          </p:cNvPicPr>
-          <p:nvPr/>
-        </p:nvPicPr>
-        <p:blipFill>
-          <a:blip r:embed="rId4">
-            <a:extLst>
-              <a:ext uri="{28A0092B-C50C-407E-A947-70E740481C1C}">
-                <a14:useLocalDpi xmlns:a14="http://schemas.microsoft.com/office/drawing/2010/main" val="0"/>
-              </a:ext>
-            </a:extLst>
-          </a:blip>
-          <a:srcRect/>
-          <a:stretch>
-            <a:fillRect/>
-          </a:stretch>
-        </p:blipFill>
-        <p:spPr bwMode="auto">
-          <a:xfrm>
-            <a:off x="7401563" y="6301098"/>
-            <a:ext cx="1200329" cy="1200329"/>
-          </a:xfrm>
-          <a:prstGeom prst="rect">
-            <a:avLst/>
-          </a:prstGeom>
-          <a:noFill/>
-          <a:extLst>
-            <a:ext uri="{909E8E84-426E-40DD-AFC4-6F175D3DCCD1}">
-              <a14:hiddenFill xmlns:a14="http://schemas.microsoft.com/office/drawing/2010/main">
-                <a:solidFill>
-                  <a:srgbClr val="FFFFFF"/>
-                </a:solidFill>
-              </a14:hiddenFill>
-            </a:ext>
-          </a:extLst>
-        </p:spPr>
-      </p:pic>
-      <p:sp>
-        <p:nvSpPr>
-          <p:cNvPr id="15" name="Oval 14">
-            <a:extLst>
-              <a:ext uri="{FF2B5EF4-FFF2-40B4-BE49-F238E27FC236}">
-                <a16:creationId xmlns:a16="http://schemas.microsoft.com/office/drawing/2014/main" id="{D3E5C492-5B6F-45BA-9F6B-30B015A50C77}"/>
-              </a:ext>
-            </a:extLst>
-          </p:cNvPr>
-          <p:cNvSpPr/>
-          <p:nvPr/>
-        </p:nvSpPr>
-        <p:spPr>
-          <a:xfrm>
-            <a:off x="9544012" y="6285413"/>
-            <a:ext cx="590588" cy="590588"/>
-          </a:xfrm>
-          <a:prstGeom prst="ellipse">
-            <a:avLst/>
-          </a:prstGeom>
-          <a:solidFill>
-            <a:schemeClr val="accent2">
-              <a:lumMod val="60000"/>
-              <a:lumOff val="40000"/>
-              <a:alpha val="46000"/>
-            </a:schemeClr>
-          </a:solidFill>
-          <a:ln>
-            <a:solidFill>
-              <a:schemeClr val="tx1"/>
-            </a:solidFill>
-            <a:prstDash val="dash"/>
-          </a:ln>
-        </p:spPr>
-        <p:style>
-          <a:lnRef idx="2">
-            <a:schemeClr val="accent1">
-              <a:shade val="50000"/>
-            </a:schemeClr>
-          </a:lnRef>
-          <a:fillRef idx="1">
-            <a:schemeClr val="accent1"/>
-          </a:fillRef>
-          <a:effectRef idx="0">
-            <a:schemeClr val="accent1"/>
-          </a:effectRef>
-          <a:fontRef idx="minor">
-            <a:schemeClr val="lt1"/>
-          </a:fontRef>
-        </p:style>
-        <p:txBody>
-          <a:bodyPr rtlCol="0" anchor="ctr"/>
-          <a:lstStyle/>
-          <a:p>
-            <a:pPr algn="ctr"/>
-            <a:endParaRPr lang="en-GB"/>
-          </a:p>
-        </p:txBody>
-      </p:sp>
-      <p:sp>
-        <p:nvSpPr>
-          <p:cNvPr id="13" name="TextBox 12">
-            <a:extLst>
-              <a:ext uri="{FF2B5EF4-FFF2-40B4-BE49-F238E27FC236}">
-                <a16:creationId xmlns:a16="http://schemas.microsoft.com/office/drawing/2014/main" id="{8879801B-12F9-47D9-91CD-041D224863F6}"/>
-              </a:ext>
-            </a:extLst>
-          </p:cNvPr>
-          <p:cNvSpPr txBox="1"/>
-          <p:nvPr/>
-        </p:nvSpPr>
-        <p:spPr>
-          <a:xfrm>
-            <a:off x="8744221" y="6561948"/>
-            <a:ext cx="439544" cy="707886"/>
-          </a:xfrm>
-          <a:prstGeom prst="rect">
-            <a:avLst/>
-          </a:prstGeom>
-          <a:noFill/>
-        </p:spPr>
-        <p:txBody>
-          <a:bodyPr wrap="none" rtlCol="0">
-            <a:spAutoFit/>
-          </a:bodyPr>
-          <a:lstStyle/>
-          <a:p>
-            <a:r>
-              <a:rPr lang="en-GB" sz="4000" b="1" dirty="0"/>
-              <a:t>+</a:t>
-            </a:r>
-          </a:p>
-        </p:txBody>
-      </p:sp>
-    </p:spTree>
-    <p:extLst>
-      <p:ext uri="{BB962C8B-B14F-4D97-AF65-F5344CB8AC3E}">
-        <p14:creationId xmlns:p14="http://schemas.microsoft.com/office/powerpoint/2010/main" val="3028720660"/>
-      </p:ext>
-    </p:extLst>
-  </p:cSld>
-  <p:clrMapOvr>
-    <a:masterClrMapping/>
-  </p:clrMapOvr>
-  <mc:AlternateContent xmlns:mc="http://schemas.openxmlformats.org/markup-compatibility/2006" xmlns:p14="http://schemas.microsoft.com/office/powerpoint/2010/main">
-    <mc:Choice Requires="p14">
-      <p:transition spd="med" p14:dur="700" advTm="2000">
-        <p:fade/>
-      </p:transition>
-    </mc:Choice>
-    <mc:Fallback xmlns="">
-      <p:transition spd="med" advTm="2000">
-        <p:fade/>
-      </p:transition>
-    </mc:Fallback>
-  </mc:AlternateContent>
 </p:sld>
 </file>
 
